--- a/Final/Final Project Proposal.pptx
+++ b/Final/Final Project Proposal.pptx
@@ -12,10 +12,12 @@
     <p:sldId id="263" r:id="rId6"/>
     <p:sldId id="257" r:id="rId7"/>
     <p:sldId id="258" r:id="rId8"/>
-    <p:sldId id="259" r:id="rId9"/>
-    <p:sldId id="264" r:id="rId10"/>
-    <p:sldId id="265" r:id="rId11"/>
-    <p:sldId id="266" r:id="rId12"/>
+    <p:sldId id="267" r:id="rId9"/>
+    <p:sldId id="259" r:id="rId10"/>
+    <p:sldId id="264" r:id="rId11"/>
+    <p:sldId id="265" r:id="rId12"/>
+    <p:sldId id="266" r:id="rId13"/>
+    <p:sldId id="268" r:id="rId14"/>
   </p:sldIdLst>
   <p:sldSz cx="12192000" cy="6858000"/>
   <p:notesSz cx="6858000" cy="9144000"/>
@@ -126,10 +128,12 @@
             <p14:sldId id="263"/>
             <p14:sldId id="257"/>
             <p14:sldId id="258"/>
+            <p14:sldId id="267"/>
             <p14:sldId id="259"/>
             <p14:sldId id="264"/>
             <p14:sldId id="265"/>
             <p14:sldId id="266"/>
+            <p14:sldId id="268"/>
           </p14:sldIdLst>
         </p14:section>
       </p14:sectionLst>
@@ -4051,6 +4055,94 @@
           <a:p>
             <a:r>
               <a:rPr lang="en-US" dirty="0"/>
+              <a:t>Data Flow</a:t>
+            </a:r>
+          </a:p>
+        </p:txBody>
+      </p:sp>
+      <p:pic>
+        <p:nvPicPr>
+          <p:cNvPr id="4" name="Content Placeholder 3"/>
+          <p:cNvPicPr>
+            <a:picLocks noGrp="1" noChangeAspect="1"/>
+          </p:cNvPicPr>
+          <p:nvPr>
+            <p:ph idx="1"/>
+          </p:nvPr>
+        </p:nvPicPr>
+        <p:blipFill>
+          <a:blip r:embed="rId2">
+            <a:extLst>
+              <a:ext uri="{28A0092B-C50C-407E-A947-70E740481C1C}">
+                <a14:useLocalDpi xmlns:a14="http://schemas.microsoft.com/office/drawing/2010/main" val="0"/>
+              </a:ext>
+            </a:extLst>
+          </a:blip>
+          <a:stretch>
+            <a:fillRect/>
+          </a:stretch>
+        </p:blipFill>
+        <p:spPr>
+          <a:xfrm>
+            <a:off x="1617785" y="1871315"/>
+            <a:ext cx="8412480" cy="4357589"/>
+          </a:xfrm>
+        </p:spPr>
+      </p:pic>
+    </p:spTree>
+    <p:extLst>
+      <p:ext uri="{BB962C8B-B14F-4D97-AF65-F5344CB8AC3E}">
+        <p14:creationId xmlns:p14="http://schemas.microsoft.com/office/powerpoint/2010/main" val="516530243"/>
+      </p:ext>
+    </p:extLst>
+  </p:cSld>
+  <p:clrMapOvr>
+    <a:masterClrMapping/>
+  </p:clrMapOvr>
+  <p:timing>
+    <p:tnLst>
+      <p:par>
+        <p:cTn id="1" dur="indefinite" restart="never" nodeType="tmRoot"/>
+      </p:par>
+    </p:tnLst>
+  </p:timing>
+</p:sld>
+</file>
+
+<file path=ppt/slides/slide11.xml><?xml version="1.0" encoding="utf-8"?>
+<p:sld xmlns:a="http://schemas.openxmlformats.org/drawingml/2006/main" xmlns:r="http://schemas.openxmlformats.org/officeDocument/2006/relationships" xmlns:p="http://schemas.openxmlformats.org/presentationml/2006/main">
+  <p:cSld>
+    <p:spTree>
+      <p:nvGrpSpPr>
+        <p:cNvPr id="1" name=""/>
+        <p:cNvGrpSpPr/>
+        <p:nvPr/>
+      </p:nvGrpSpPr>
+      <p:grpSpPr>
+        <a:xfrm>
+          <a:off x="0" y="0"/>
+          <a:ext cx="0" cy="0"/>
+          <a:chOff x="0" y="0"/>
+          <a:chExt cx="0" cy="0"/>
+        </a:xfrm>
+      </p:grpSpPr>
+      <p:sp>
+        <p:nvSpPr>
+          <p:cNvPr id="2" name="Title 1"/>
+          <p:cNvSpPr>
+            <a:spLocks noGrp="1"/>
+          </p:cNvSpPr>
+          <p:nvPr>
+            <p:ph type="title"/>
+          </p:nvPr>
+        </p:nvSpPr>
+        <p:spPr/>
+        <p:txBody>
+          <a:bodyPr/>
+          <a:lstStyle/>
+          <a:p>
+            <a:r>
+              <a:rPr lang="en-US" dirty="0"/>
               <a:t>Web Technologies</a:t>
             </a:r>
           </a:p>
@@ -4157,7 +4249,7 @@
         </p:blipFill>
         <p:spPr bwMode="auto">
           <a:xfrm>
-            <a:off x="3803650" y="3657743"/>
+            <a:off x="6926173" y="1957531"/>
             <a:ext cx="2647722" cy="746617"/>
           </a:xfrm>
           <a:prstGeom prst="rect">
@@ -4198,7 +4290,7 @@
         </p:blipFill>
         <p:spPr bwMode="auto">
           <a:xfrm>
-            <a:off x="7226935" y="3270674"/>
+            <a:off x="3779520" y="3251590"/>
             <a:ext cx="2346960" cy="1173480"/>
           </a:xfrm>
           <a:prstGeom prst="rect">
@@ -4308,10 +4400,17 @@
   <p:clrMapOvr>
     <a:masterClrMapping/>
   </p:clrMapOvr>
+  <p:timing>
+    <p:tnLst>
+      <p:par>
+        <p:cTn id="1" dur="indefinite" restart="never" nodeType="tmRoot"/>
+      </p:par>
+    </p:tnLst>
+  </p:timing>
 </p:sld>
 </file>
 
-<file path=ppt/slides/slide11.xml><?xml version="1.0" encoding="utf-8"?>
+<file path=ppt/slides/slide12.xml><?xml version="1.0" encoding="utf-8"?>
 <p:sld xmlns:a="http://schemas.openxmlformats.org/drawingml/2006/main" xmlns:r="http://schemas.openxmlformats.org/officeDocument/2006/relationships" xmlns:p="http://schemas.openxmlformats.org/presentationml/2006/main">
   <p:cSld>
     <p:spTree>
@@ -4742,6 +4841,96 @@
   <p:clrMapOvr>
     <a:masterClrMapping/>
   </p:clrMapOvr>
+  <p:timing>
+    <p:tnLst>
+      <p:par>
+        <p:cTn id="1" dur="indefinite" restart="never" nodeType="tmRoot"/>
+      </p:par>
+    </p:tnLst>
+  </p:timing>
+</p:sld>
+</file>
+
+<file path=ppt/slides/slide13.xml><?xml version="1.0" encoding="utf-8"?>
+<p:sld xmlns:a="http://schemas.openxmlformats.org/drawingml/2006/main" xmlns:r="http://schemas.openxmlformats.org/officeDocument/2006/relationships" xmlns:p="http://schemas.openxmlformats.org/presentationml/2006/main">
+  <p:cSld>
+    <p:spTree>
+      <p:nvGrpSpPr>
+        <p:cNvPr id="1" name=""/>
+        <p:cNvGrpSpPr/>
+        <p:nvPr/>
+      </p:nvGrpSpPr>
+      <p:grpSpPr>
+        <a:xfrm>
+          <a:off x="0" y="0"/>
+          <a:ext cx="0" cy="0"/>
+          <a:chOff x="0" y="0"/>
+          <a:chExt cx="0" cy="0"/>
+        </a:xfrm>
+      </p:grpSpPr>
+      <p:sp>
+        <p:nvSpPr>
+          <p:cNvPr id="2" name="Title 1"/>
+          <p:cNvSpPr>
+            <a:spLocks noGrp="1"/>
+          </p:cNvSpPr>
+          <p:nvPr>
+            <p:ph type="title"/>
+          </p:nvPr>
+        </p:nvSpPr>
+        <p:spPr/>
+        <p:txBody>
+          <a:bodyPr/>
+          <a:lstStyle/>
+          <a:p>
+            <a:r>
+              <a:rPr lang="en-US" dirty="0" smtClean="0"/>
+              <a:t>Questions:</a:t>
+            </a:r>
+            <a:endParaRPr lang="en-US" dirty="0"/>
+          </a:p>
+        </p:txBody>
+      </p:sp>
+      <p:sp>
+        <p:nvSpPr>
+          <p:cNvPr id="3" name="Content Placeholder 2"/>
+          <p:cNvSpPr>
+            <a:spLocks noGrp="1"/>
+          </p:cNvSpPr>
+          <p:nvPr>
+            <p:ph idx="1"/>
+          </p:nvPr>
+        </p:nvSpPr>
+        <p:spPr/>
+        <p:txBody>
+          <a:bodyPr/>
+          <a:lstStyle/>
+          <a:p>
+            <a:r>
+              <a:rPr lang="en-US" dirty="0" err="1" smtClean="0"/>
+              <a:t>Ditr</a:t>
+            </a:r>
+            <a:endParaRPr lang="en-US" dirty="0"/>
+          </a:p>
+        </p:txBody>
+      </p:sp>
+    </p:spTree>
+    <p:extLst>
+      <p:ext uri="{BB962C8B-B14F-4D97-AF65-F5344CB8AC3E}">
+        <p14:creationId xmlns:p14="http://schemas.microsoft.com/office/powerpoint/2010/main" val="278649821"/>
+      </p:ext>
+    </p:extLst>
+  </p:cSld>
+  <p:clrMapOvr>
+    <a:masterClrMapping/>
+  </p:clrMapOvr>
+  <p:timing>
+    <p:tnLst>
+      <p:par>
+        <p:cTn id="1" dur="indefinite" restart="never" nodeType="tmRoot"/>
+      </p:par>
+    </p:tnLst>
+  </p:timing>
 </p:sld>
 </file>
 
@@ -5464,6 +5653,13 @@
   <p:clrMapOvr>
     <a:masterClrMapping/>
   </p:clrMapOvr>
+  <p:timing>
+    <p:tnLst>
+      <p:par>
+        <p:cTn id="1" dur="indefinite" restart="never" nodeType="tmRoot"/>
+      </p:par>
+    </p:tnLst>
+  </p:timing>
 </p:sld>
 </file>
 
@@ -5668,6 +5864,25 @@
               </a:rPr>
               <a:t> </a:t>
             </a:r>
+            <a:r>
+              <a:rPr lang="en-US" altLang="zh-CN" sz="3200" dirty="0" smtClean="0">
+                <a:ln w="0"/>
+                <a:solidFill>
+                  <a:schemeClr val="tx1">
+                    <a:lumMod val="75000"/>
+                    <a:lumOff val="25000"/>
+                  </a:schemeClr>
+                </a:solidFill>
+                <a:effectLst>
+                  <a:outerShdw blurRad="38100" dist="19050" dir="2700000" algn="tl" rotWithShape="0">
+                    <a:schemeClr val="dk1">
+                      <a:alpha val="40000"/>
+                    </a:schemeClr>
+                  </a:outerShdw>
+                </a:effectLst>
+              </a:rPr>
+              <a:t>a friend/ a event</a:t>
+            </a:r>
             <a:endParaRPr lang="en-US" altLang="zh-CN" sz="3200" dirty="0">
               <a:ln w="0"/>
               <a:solidFill>
@@ -5855,6 +6070,13 @@
   <p:clrMapOvr>
     <a:masterClrMapping/>
   </p:clrMapOvr>
+  <p:timing>
+    <p:tnLst>
+      <p:par>
+        <p:cTn id="1" dur="indefinite" restart="never" nodeType="tmRoot"/>
+      </p:par>
+    </p:tnLst>
+  </p:timing>
 </p:sld>
 </file>
 
@@ -5938,12 +6160,44 @@
           <a:p>
             <a:pPr>
               <a:lnSpc>
-                <a:spcPct val="150000"/>
+                <a:spcPct val="100000"/>
               </a:lnSpc>
               <a:buFont typeface="Wingdings" charset="2"/>
               <a:buChar char="v"/>
             </a:pPr>
             <a:r>
+              <a:rPr lang="en-US" altLang="zh-CN" sz="3200" dirty="0" smtClean="0">
+                <a:ln w="0"/>
+                <a:effectLst>
+                  <a:outerShdw blurRad="38100" dist="19050" dir="2700000" algn="tl" rotWithShape="0">
+                    <a:schemeClr val="dk1">
+                      <a:alpha val="40000"/>
+                    </a:schemeClr>
+                  </a:outerShdw>
+                </a:effectLst>
+              </a:rPr>
+              <a:t>Timeline/Event photo film/animation</a:t>
+            </a:r>
+            <a:endParaRPr lang="en-US" altLang="zh-CN" sz="3200" dirty="0">
+              <a:ln w="0"/>
+              <a:effectLst>
+                <a:outerShdw blurRad="38100" dist="19050" dir="2700000" algn="tl" rotWithShape="0">
+                  <a:schemeClr val="dk1">
+                    <a:alpha val="40000"/>
+                  </a:schemeClr>
+                </a:outerShdw>
+              </a:effectLst>
+            </a:endParaRPr>
+          </a:p>
+          <a:p>
+            <a:pPr>
+              <a:lnSpc>
+                <a:spcPct val="100000"/>
+              </a:lnSpc>
+              <a:buFont typeface="Wingdings" charset="2"/>
+              <a:buChar char="v"/>
+            </a:pPr>
+            <a:r>
               <a:rPr lang="en-US" altLang="zh-CN" sz="3200" dirty="0">
                 <a:ln w="0"/>
                 <a:effectLst>
@@ -5954,7 +6208,7 @@
                   </a:outerShdw>
                 </a:effectLst>
               </a:rPr>
-              <a:t>Timeline/photo</a:t>
+              <a:t>Initiate/Join</a:t>
             </a:r>
             <a:r>
               <a:rPr lang="zh-CN" altLang="en-US" sz="3200" dirty="0">
@@ -5980,7 +6234,359 @@
                   </a:outerShdw>
                 </a:effectLst>
               </a:rPr>
-              <a:t>animation</a:t>
+              <a:t>events/group</a:t>
+            </a:r>
+            <a:r>
+              <a:rPr lang="zh-CN" altLang="en-US" sz="3200" dirty="0">
+                <a:ln w="0"/>
+                <a:effectLst>
+                  <a:outerShdw blurRad="38100" dist="19050" dir="2700000" algn="tl" rotWithShape="0">
+                    <a:schemeClr val="dk1">
+                      <a:alpha val="40000"/>
+                    </a:schemeClr>
+                  </a:outerShdw>
+                </a:effectLst>
+              </a:rPr>
+              <a:t> </a:t>
+            </a:r>
+            <a:r>
+              <a:rPr lang="en-US" altLang="zh-CN" sz="3200" dirty="0">
+                <a:ln w="0"/>
+                <a:effectLst>
+                  <a:outerShdw blurRad="38100" dist="19050" dir="2700000" algn="tl" rotWithShape="0">
+                    <a:schemeClr val="dk1">
+                      <a:alpha val="40000"/>
+                    </a:schemeClr>
+                  </a:outerShdw>
+                </a:effectLst>
+              </a:rPr>
+              <a:t>message</a:t>
+            </a:r>
+          </a:p>
+          <a:p>
+            <a:pPr>
+              <a:lnSpc>
+                <a:spcPct val="100000"/>
+              </a:lnSpc>
+              <a:buFont typeface="Wingdings" charset="2"/>
+              <a:buChar char="v"/>
+            </a:pPr>
+            <a:r>
+              <a:rPr lang="en-US" altLang="zh-CN" sz="3200" dirty="0">
+                <a:ln w="0"/>
+                <a:effectLst>
+                  <a:outerShdw blurRad="38100" dist="19050" dir="2700000" algn="tl" rotWithShape="0">
+                    <a:schemeClr val="dk1">
+                      <a:alpha val="40000"/>
+                    </a:schemeClr>
+                  </a:outerShdw>
+                </a:effectLst>
+              </a:rPr>
+              <a:t>Tag</a:t>
+            </a:r>
+            <a:r>
+              <a:rPr lang="zh-CN" altLang="en-US" sz="3200" dirty="0">
+                <a:ln w="0"/>
+                <a:effectLst>
+                  <a:outerShdw blurRad="38100" dist="19050" dir="2700000" algn="tl" rotWithShape="0">
+                    <a:schemeClr val="dk1">
+                      <a:alpha val="40000"/>
+                    </a:schemeClr>
+                  </a:outerShdw>
+                </a:effectLst>
+              </a:rPr>
+              <a:t> </a:t>
+            </a:r>
+            <a:r>
+              <a:rPr lang="en-US" altLang="zh-CN" sz="3200" dirty="0">
+                <a:ln w="0"/>
+                <a:effectLst>
+                  <a:outerShdw blurRad="38100" dist="19050" dir="2700000" algn="tl" rotWithShape="0">
+                    <a:schemeClr val="dk1">
+                      <a:alpha val="40000"/>
+                    </a:schemeClr>
+                  </a:outerShdw>
+                </a:effectLst>
+              </a:rPr>
+              <a:t>members</a:t>
+            </a:r>
+            <a:r>
+              <a:rPr lang="zh-CN" altLang="en-US" sz="3200" dirty="0">
+                <a:ln w="0"/>
+                <a:effectLst>
+                  <a:outerShdw blurRad="38100" dist="19050" dir="2700000" algn="tl" rotWithShape="0">
+                    <a:schemeClr val="dk1">
+                      <a:alpha val="40000"/>
+                    </a:schemeClr>
+                  </a:outerShdw>
+                </a:effectLst>
+              </a:rPr>
+              <a:t> </a:t>
+            </a:r>
+            <a:r>
+              <a:rPr lang="en-US" altLang="zh-CN" sz="3200" dirty="0">
+                <a:ln w="0"/>
+                <a:effectLst>
+                  <a:outerShdw blurRad="38100" dist="19050" dir="2700000" algn="tl" rotWithShape="0">
+                    <a:schemeClr val="dk1">
+                      <a:alpha val="40000"/>
+                    </a:schemeClr>
+                  </a:outerShdw>
+                </a:effectLst>
+              </a:rPr>
+              <a:t>on</a:t>
+            </a:r>
+            <a:r>
+              <a:rPr lang="zh-CN" altLang="en-US" sz="3200" dirty="0">
+                <a:ln w="0"/>
+                <a:effectLst>
+                  <a:outerShdw blurRad="38100" dist="19050" dir="2700000" algn="tl" rotWithShape="0">
+                    <a:schemeClr val="dk1">
+                      <a:alpha val="40000"/>
+                    </a:schemeClr>
+                  </a:outerShdw>
+                </a:effectLst>
+              </a:rPr>
+              <a:t> </a:t>
+            </a:r>
+            <a:r>
+              <a:rPr lang="en-US" altLang="zh-CN" sz="3200" dirty="0">
+                <a:ln w="0"/>
+                <a:effectLst>
+                  <a:outerShdw blurRad="38100" dist="19050" dir="2700000" algn="tl" rotWithShape="0">
+                    <a:schemeClr val="dk1">
+                      <a:alpha val="40000"/>
+                    </a:schemeClr>
+                  </a:outerShdw>
+                </a:effectLst>
+              </a:rPr>
+              <a:t>post/link</a:t>
+            </a:r>
+            <a:r>
+              <a:rPr lang="zh-CN" altLang="en-US" sz="3200" dirty="0">
+                <a:ln w="0"/>
+                <a:effectLst>
+                  <a:outerShdw blurRad="38100" dist="19050" dir="2700000" algn="tl" rotWithShape="0">
+                    <a:schemeClr val="dk1">
+                      <a:alpha val="40000"/>
+                    </a:schemeClr>
+                  </a:outerShdw>
+                </a:effectLst>
+              </a:rPr>
+              <a:t> </a:t>
+            </a:r>
+            <a:r>
+              <a:rPr lang="en-US" altLang="zh-CN" sz="3200" dirty="0">
+                <a:ln w="0"/>
+                <a:effectLst>
+                  <a:outerShdw blurRad="38100" dist="19050" dir="2700000" algn="tl" rotWithShape="0">
+                    <a:schemeClr val="dk1">
+                      <a:alpha val="40000"/>
+                    </a:schemeClr>
+                  </a:outerShdw>
+                </a:effectLst>
+              </a:rPr>
+              <a:t>tag</a:t>
+            </a:r>
+            <a:r>
+              <a:rPr lang="zh-CN" altLang="en-US" sz="3200" dirty="0">
+                <a:ln w="0"/>
+                <a:effectLst>
+                  <a:outerShdw blurRad="38100" dist="19050" dir="2700000" algn="tl" rotWithShape="0">
+                    <a:schemeClr val="dk1">
+                      <a:alpha val="40000"/>
+                    </a:schemeClr>
+                  </a:outerShdw>
+                </a:effectLst>
+              </a:rPr>
+              <a:t> </a:t>
+            </a:r>
+            <a:r>
+              <a:rPr lang="en-US" altLang="zh-CN" sz="3200" dirty="0">
+                <a:ln w="0"/>
+                <a:effectLst>
+                  <a:outerShdw blurRad="38100" dist="19050" dir="2700000" algn="tl" rotWithShape="0">
+                    <a:schemeClr val="dk1">
+                      <a:alpha val="40000"/>
+                    </a:schemeClr>
+                  </a:outerShdw>
+                </a:effectLst>
+              </a:rPr>
+              <a:t>to</a:t>
+            </a:r>
+            <a:r>
+              <a:rPr lang="zh-CN" altLang="en-US" sz="3200" dirty="0">
+                <a:ln w="0"/>
+                <a:effectLst>
+                  <a:outerShdw blurRad="38100" dist="19050" dir="2700000" algn="tl" rotWithShape="0">
+                    <a:schemeClr val="dk1">
+                      <a:alpha val="40000"/>
+                    </a:schemeClr>
+                  </a:outerShdw>
+                </a:effectLst>
+              </a:rPr>
+              <a:t> </a:t>
+            </a:r>
+            <a:r>
+              <a:rPr lang="en-US" altLang="zh-CN" sz="3200" dirty="0">
+                <a:ln w="0"/>
+                <a:effectLst>
+                  <a:outerShdw blurRad="38100" dist="19050" dir="2700000" algn="tl" rotWithShape="0">
+                    <a:schemeClr val="dk1">
+                      <a:alpha val="40000"/>
+                    </a:schemeClr>
+                  </a:outerShdw>
+                </a:effectLst>
+              </a:rPr>
+              <a:t>other’s</a:t>
+            </a:r>
+            <a:r>
+              <a:rPr lang="zh-CN" altLang="en-US" sz="3200" dirty="0">
+                <a:ln w="0"/>
+                <a:effectLst>
+                  <a:outerShdw blurRad="38100" dist="19050" dir="2700000" algn="tl" rotWithShape="0">
+                    <a:schemeClr val="dk1">
+                      <a:alpha val="40000"/>
+                    </a:schemeClr>
+                  </a:outerShdw>
+                </a:effectLst>
+              </a:rPr>
+              <a:t> </a:t>
+            </a:r>
+            <a:r>
+              <a:rPr lang="en-US" altLang="zh-CN" sz="3200" dirty="0">
+                <a:ln w="0"/>
+                <a:effectLst>
+                  <a:outerShdw blurRad="38100" dist="19050" dir="2700000" algn="tl" rotWithShape="0">
+                    <a:schemeClr val="dk1">
+                      <a:alpha val="40000"/>
+                    </a:schemeClr>
+                  </a:outerShdw>
+                </a:effectLst>
+              </a:rPr>
+              <a:t>homepage</a:t>
+            </a:r>
+          </a:p>
+          <a:p>
+            <a:pPr>
+              <a:lnSpc>
+                <a:spcPct val="100000"/>
+              </a:lnSpc>
+              <a:buFont typeface="Wingdings" charset="2"/>
+              <a:buChar char="v"/>
+            </a:pPr>
+            <a:r>
+              <a:rPr lang="en-US" altLang="zh-CN" sz="3200" dirty="0">
+                <a:ln w="0"/>
+                <a:effectLst>
+                  <a:outerShdw blurRad="38100" dist="19050" dir="2700000" algn="tl" rotWithShape="0">
+                    <a:schemeClr val="dk1">
+                      <a:alpha val="40000"/>
+                    </a:schemeClr>
+                  </a:outerShdw>
+                </a:effectLst>
+              </a:rPr>
+              <a:t>Recommend</a:t>
+            </a:r>
+            <a:r>
+              <a:rPr lang="zh-CN" altLang="en-US" sz="3200" dirty="0">
+                <a:ln w="0"/>
+                <a:effectLst>
+                  <a:outerShdw blurRad="38100" dist="19050" dir="2700000" algn="tl" rotWithShape="0">
+                    <a:schemeClr val="dk1">
+                      <a:alpha val="40000"/>
+                    </a:schemeClr>
+                  </a:outerShdw>
+                </a:effectLst>
+              </a:rPr>
+              <a:t> </a:t>
+            </a:r>
+            <a:r>
+              <a:rPr lang="en-US" altLang="zh-CN" sz="3200" dirty="0">
+                <a:ln w="0"/>
+                <a:effectLst>
+                  <a:outerShdw blurRad="38100" dist="19050" dir="2700000" algn="tl" rotWithShape="0">
+                    <a:schemeClr val="dk1">
+                      <a:alpha val="40000"/>
+                    </a:schemeClr>
+                  </a:outerShdw>
+                </a:effectLst>
+              </a:rPr>
+              <a:t>friends</a:t>
+            </a:r>
+            <a:r>
+              <a:rPr lang="zh-CN" altLang="en-US" sz="3200" dirty="0">
+                <a:ln w="0"/>
+                <a:effectLst>
+                  <a:outerShdw blurRad="38100" dist="19050" dir="2700000" algn="tl" rotWithShape="0">
+                    <a:schemeClr val="dk1">
+                      <a:alpha val="40000"/>
+                    </a:schemeClr>
+                  </a:outerShdw>
+                </a:effectLst>
+              </a:rPr>
+              <a:t> </a:t>
+            </a:r>
+            <a:r>
+              <a:rPr lang="en-US" altLang="zh-CN" sz="3200" dirty="0">
+                <a:ln w="0"/>
+                <a:effectLst>
+                  <a:outerShdw blurRad="38100" dist="19050" dir="2700000" algn="tl" rotWithShape="0">
+                    <a:schemeClr val="dk1">
+                      <a:alpha val="40000"/>
+                    </a:schemeClr>
+                  </a:outerShdw>
+                </a:effectLst>
+              </a:rPr>
+              <a:t>or</a:t>
+            </a:r>
+            <a:r>
+              <a:rPr lang="zh-CN" altLang="en-US" sz="3200" dirty="0">
+                <a:ln w="0"/>
+                <a:effectLst>
+                  <a:outerShdw blurRad="38100" dist="19050" dir="2700000" algn="tl" rotWithShape="0">
+                    <a:schemeClr val="dk1">
+                      <a:alpha val="40000"/>
+                    </a:schemeClr>
+                  </a:outerShdw>
+                </a:effectLst>
+              </a:rPr>
+              <a:t> </a:t>
+            </a:r>
+            <a:r>
+              <a:rPr lang="en-US" altLang="zh-CN" sz="3200" dirty="0" smtClean="0">
+                <a:ln w="0"/>
+                <a:effectLst>
+                  <a:outerShdw blurRad="38100" dist="19050" dir="2700000" algn="tl" rotWithShape="0">
+                    <a:schemeClr val="dk1">
+                      <a:alpha val="40000"/>
+                    </a:schemeClr>
+                  </a:outerShdw>
+                </a:effectLst>
+              </a:rPr>
+              <a:t>events</a:t>
+            </a:r>
+          </a:p>
+          <a:p>
+            <a:pPr>
+              <a:lnSpc>
+                <a:spcPct val="100000"/>
+              </a:lnSpc>
+              <a:buFont typeface="Wingdings" charset="2"/>
+              <a:buChar char="v"/>
+            </a:pPr>
+            <a:r>
+              <a:rPr lang="en-US" altLang="zh-CN" sz="3200" dirty="0" smtClean="0">
+                <a:ln w="0"/>
+                <a:effectLst>
+                  <a:outerShdw blurRad="38100" dist="19050" dir="2700000" algn="tl" rotWithShape="0">
+                    <a:schemeClr val="dk1">
+                      <a:alpha val="40000"/>
+                    </a:schemeClr>
+                  </a:outerShdw>
+                </a:effectLst>
+              </a:rPr>
+              <a:t>Friends circle based on events</a:t>
             </a:r>
           </a:p>
           <a:p>
@@ -5992,374 +6598,28 @@
               <a:buChar char="v"/>
             </a:pPr>
             <a:r>
-              <a:rPr lang="en-US" altLang="zh-CN" sz="3200" dirty="0">
-                <a:ln w="0"/>
-                <a:effectLst>
-                  <a:outerShdw blurRad="38100" dist="19050" dir="2700000" algn="tl" rotWithShape="0">
-                    <a:schemeClr val="dk1">
-                      <a:alpha val="40000"/>
-                    </a:schemeClr>
-                  </a:outerShdw>
-                </a:effectLst>
-              </a:rPr>
-              <a:t>Initiate/Join</a:t>
-            </a:r>
-            <a:r>
-              <a:rPr lang="zh-CN" altLang="en-US" sz="3200" dirty="0">
-                <a:ln w="0"/>
-                <a:effectLst>
-                  <a:outerShdw blurRad="38100" dist="19050" dir="2700000" algn="tl" rotWithShape="0">
-                    <a:schemeClr val="dk1">
-                      <a:alpha val="40000"/>
-                    </a:schemeClr>
-                  </a:outerShdw>
-                </a:effectLst>
-              </a:rPr>
-              <a:t> </a:t>
-            </a:r>
-            <a:r>
-              <a:rPr lang="en-US" altLang="zh-CN" sz="3200" dirty="0">
-                <a:ln w="0"/>
-                <a:effectLst>
-                  <a:outerShdw blurRad="38100" dist="19050" dir="2700000" algn="tl" rotWithShape="0">
-                    <a:schemeClr val="dk1">
-                      <a:alpha val="40000"/>
-                    </a:schemeClr>
-                  </a:outerShdw>
-                </a:effectLst>
-              </a:rPr>
-              <a:t>events/group</a:t>
-            </a:r>
-            <a:r>
-              <a:rPr lang="zh-CN" altLang="en-US" sz="3200" dirty="0">
-                <a:ln w="0"/>
-                <a:effectLst>
-                  <a:outerShdw blurRad="38100" dist="19050" dir="2700000" algn="tl" rotWithShape="0">
-                    <a:schemeClr val="dk1">
-                      <a:alpha val="40000"/>
-                    </a:schemeClr>
-                  </a:outerShdw>
-                </a:effectLst>
-              </a:rPr>
-              <a:t> </a:t>
-            </a:r>
-            <a:r>
-              <a:rPr lang="en-US" altLang="zh-CN" sz="3200" dirty="0">
-                <a:ln w="0"/>
-                <a:effectLst>
-                  <a:outerShdw blurRad="38100" dist="19050" dir="2700000" algn="tl" rotWithShape="0">
-                    <a:schemeClr val="dk1">
-                      <a:alpha val="40000"/>
-                    </a:schemeClr>
-                  </a:outerShdw>
-                </a:effectLst>
-              </a:rPr>
-              <a:t>message</a:t>
-            </a:r>
-          </a:p>
-          <a:p>
-            <a:pPr>
-              <a:lnSpc>
-                <a:spcPct val="150000"/>
-              </a:lnSpc>
-              <a:buFont typeface="Wingdings" charset="2"/>
-              <a:buChar char="v"/>
-            </a:pPr>
-            <a:r>
-              <a:rPr lang="en-US" altLang="zh-CN" sz="3200" dirty="0">
-                <a:ln w="0"/>
-                <a:effectLst>
-                  <a:outerShdw blurRad="38100" dist="19050" dir="2700000" algn="tl" rotWithShape="0">
-                    <a:schemeClr val="dk1">
-                      <a:alpha val="40000"/>
-                    </a:schemeClr>
-                  </a:outerShdw>
-                </a:effectLst>
-              </a:rPr>
-              <a:t>Tag</a:t>
-            </a:r>
-            <a:r>
-              <a:rPr lang="zh-CN" altLang="en-US" sz="3200" dirty="0">
-                <a:ln w="0"/>
-                <a:effectLst>
-                  <a:outerShdw blurRad="38100" dist="19050" dir="2700000" algn="tl" rotWithShape="0">
-                    <a:schemeClr val="dk1">
-                      <a:alpha val="40000"/>
-                    </a:schemeClr>
-                  </a:outerShdw>
-                </a:effectLst>
-              </a:rPr>
-              <a:t> </a:t>
-            </a:r>
-            <a:r>
-              <a:rPr lang="en-US" altLang="zh-CN" sz="3200" dirty="0">
-                <a:ln w="0"/>
-                <a:effectLst>
-                  <a:outerShdw blurRad="38100" dist="19050" dir="2700000" algn="tl" rotWithShape="0">
-                    <a:schemeClr val="dk1">
-                      <a:alpha val="40000"/>
-                    </a:schemeClr>
-                  </a:outerShdw>
-                </a:effectLst>
-              </a:rPr>
-              <a:t>members</a:t>
-            </a:r>
-            <a:r>
-              <a:rPr lang="zh-CN" altLang="en-US" sz="3200" dirty="0">
-                <a:ln w="0"/>
-                <a:effectLst>
-                  <a:outerShdw blurRad="38100" dist="19050" dir="2700000" algn="tl" rotWithShape="0">
-                    <a:schemeClr val="dk1">
-                      <a:alpha val="40000"/>
-                    </a:schemeClr>
-                  </a:outerShdw>
-                </a:effectLst>
-              </a:rPr>
-              <a:t> </a:t>
-            </a:r>
-            <a:r>
-              <a:rPr lang="en-US" altLang="zh-CN" sz="3200" dirty="0">
-                <a:ln w="0"/>
-                <a:effectLst>
-                  <a:outerShdw blurRad="38100" dist="19050" dir="2700000" algn="tl" rotWithShape="0">
-                    <a:schemeClr val="dk1">
-                      <a:alpha val="40000"/>
-                    </a:schemeClr>
-                  </a:outerShdw>
-                </a:effectLst>
-              </a:rPr>
-              <a:t>on</a:t>
-            </a:r>
-            <a:r>
-              <a:rPr lang="zh-CN" altLang="en-US" sz="3200" dirty="0">
-                <a:ln w="0"/>
-                <a:effectLst>
-                  <a:outerShdw blurRad="38100" dist="19050" dir="2700000" algn="tl" rotWithShape="0">
-                    <a:schemeClr val="dk1">
-                      <a:alpha val="40000"/>
-                    </a:schemeClr>
-                  </a:outerShdw>
-                </a:effectLst>
-              </a:rPr>
-              <a:t> </a:t>
-            </a:r>
-            <a:r>
-              <a:rPr lang="en-US" altLang="zh-CN" sz="3200" dirty="0">
-                <a:ln w="0"/>
-                <a:effectLst>
-                  <a:outerShdw blurRad="38100" dist="19050" dir="2700000" algn="tl" rotWithShape="0">
-                    <a:schemeClr val="dk1">
-                      <a:alpha val="40000"/>
-                    </a:schemeClr>
-                  </a:outerShdw>
-                </a:effectLst>
-              </a:rPr>
-              <a:t>post/link</a:t>
-            </a:r>
-            <a:r>
-              <a:rPr lang="zh-CN" altLang="en-US" sz="3200" dirty="0">
-                <a:ln w="0"/>
-                <a:effectLst>
-                  <a:outerShdw blurRad="38100" dist="19050" dir="2700000" algn="tl" rotWithShape="0">
-                    <a:schemeClr val="dk1">
-                      <a:alpha val="40000"/>
-                    </a:schemeClr>
-                  </a:outerShdw>
-                </a:effectLst>
-              </a:rPr>
-              <a:t> </a:t>
-            </a:r>
-            <a:r>
-              <a:rPr lang="en-US" altLang="zh-CN" sz="3200" dirty="0">
-                <a:ln w="0"/>
-                <a:effectLst>
-                  <a:outerShdw blurRad="38100" dist="19050" dir="2700000" algn="tl" rotWithShape="0">
-                    <a:schemeClr val="dk1">
-                      <a:alpha val="40000"/>
-                    </a:schemeClr>
-                  </a:outerShdw>
-                </a:effectLst>
-              </a:rPr>
-              <a:t>tag</a:t>
-            </a:r>
-            <a:r>
-              <a:rPr lang="zh-CN" altLang="en-US" sz="3200" dirty="0">
-                <a:ln w="0"/>
-                <a:effectLst>
-                  <a:outerShdw blurRad="38100" dist="19050" dir="2700000" algn="tl" rotWithShape="0">
-                    <a:schemeClr val="dk1">
-                      <a:alpha val="40000"/>
-                    </a:schemeClr>
-                  </a:outerShdw>
-                </a:effectLst>
-              </a:rPr>
-              <a:t> </a:t>
-            </a:r>
-            <a:r>
-              <a:rPr lang="en-US" altLang="zh-CN" sz="3200" dirty="0">
-                <a:ln w="0"/>
-                <a:effectLst>
-                  <a:outerShdw blurRad="38100" dist="19050" dir="2700000" algn="tl" rotWithShape="0">
-                    <a:schemeClr val="dk1">
-                      <a:alpha val="40000"/>
-                    </a:schemeClr>
-                  </a:outerShdw>
-                </a:effectLst>
-              </a:rPr>
-              <a:t>to</a:t>
-            </a:r>
-            <a:r>
-              <a:rPr lang="zh-CN" altLang="en-US" sz="3200" dirty="0">
-                <a:ln w="0"/>
-                <a:effectLst>
-                  <a:outerShdw blurRad="38100" dist="19050" dir="2700000" algn="tl" rotWithShape="0">
-                    <a:schemeClr val="dk1">
-                      <a:alpha val="40000"/>
-                    </a:schemeClr>
-                  </a:outerShdw>
-                </a:effectLst>
-              </a:rPr>
-              <a:t> </a:t>
-            </a:r>
-            <a:r>
-              <a:rPr lang="en-US" altLang="zh-CN" sz="3200" dirty="0">
-                <a:ln w="0"/>
-                <a:effectLst>
-                  <a:outerShdw blurRad="38100" dist="19050" dir="2700000" algn="tl" rotWithShape="0">
-                    <a:schemeClr val="dk1">
-                      <a:alpha val="40000"/>
-                    </a:schemeClr>
-                  </a:outerShdw>
-                </a:effectLst>
-              </a:rPr>
-              <a:t>other’s</a:t>
-            </a:r>
-            <a:r>
-              <a:rPr lang="zh-CN" altLang="en-US" sz="3200" dirty="0">
-                <a:ln w="0"/>
-                <a:effectLst>
-                  <a:outerShdw blurRad="38100" dist="19050" dir="2700000" algn="tl" rotWithShape="0">
-                    <a:schemeClr val="dk1">
-                      <a:alpha val="40000"/>
-                    </a:schemeClr>
-                  </a:outerShdw>
-                </a:effectLst>
-              </a:rPr>
-              <a:t> </a:t>
-            </a:r>
-            <a:r>
-              <a:rPr lang="en-US" altLang="zh-CN" sz="3200" dirty="0">
-                <a:ln w="0"/>
-                <a:effectLst>
-                  <a:outerShdw blurRad="38100" dist="19050" dir="2700000" algn="tl" rotWithShape="0">
-                    <a:schemeClr val="dk1">
-                      <a:alpha val="40000"/>
-                    </a:schemeClr>
-                  </a:outerShdw>
-                </a:effectLst>
-              </a:rPr>
-              <a:t>homepage</a:t>
-            </a:r>
-          </a:p>
-          <a:p>
-            <a:pPr>
-              <a:lnSpc>
-                <a:spcPct val="150000"/>
-              </a:lnSpc>
-              <a:buFont typeface="Wingdings" charset="2"/>
-              <a:buChar char="v"/>
-            </a:pPr>
-            <a:r>
-              <a:rPr lang="en-US" altLang="zh-CN" sz="3200" dirty="0">
-                <a:ln w="0"/>
-                <a:effectLst>
-                  <a:outerShdw blurRad="38100" dist="19050" dir="2700000" algn="tl" rotWithShape="0">
-                    <a:schemeClr val="dk1">
-                      <a:alpha val="40000"/>
-                    </a:schemeClr>
-                  </a:outerShdw>
-                </a:effectLst>
-              </a:rPr>
-              <a:t>Recommend</a:t>
-            </a:r>
-            <a:r>
-              <a:rPr lang="zh-CN" altLang="en-US" sz="3200" dirty="0">
-                <a:ln w="0"/>
-                <a:effectLst>
-                  <a:outerShdw blurRad="38100" dist="19050" dir="2700000" algn="tl" rotWithShape="0">
-                    <a:schemeClr val="dk1">
-                      <a:alpha val="40000"/>
-                    </a:schemeClr>
-                  </a:outerShdw>
-                </a:effectLst>
-              </a:rPr>
-              <a:t> </a:t>
-            </a:r>
-            <a:r>
-              <a:rPr lang="en-US" altLang="zh-CN" sz="3200" dirty="0">
-                <a:ln w="0"/>
-                <a:effectLst>
-                  <a:outerShdw blurRad="38100" dist="19050" dir="2700000" algn="tl" rotWithShape="0">
-                    <a:schemeClr val="dk1">
-                      <a:alpha val="40000"/>
-                    </a:schemeClr>
-                  </a:outerShdw>
-                </a:effectLst>
-              </a:rPr>
-              <a:t>friends</a:t>
-            </a:r>
-            <a:r>
-              <a:rPr lang="zh-CN" altLang="en-US" sz="3200" dirty="0">
-                <a:ln w="0"/>
-                <a:effectLst>
-                  <a:outerShdw blurRad="38100" dist="19050" dir="2700000" algn="tl" rotWithShape="0">
-                    <a:schemeClr val="dk1">
-                      <a:alpha val="40000"/>
-                    </a:schemeClr>
-                  </a:outerShdw>
-                </a:effectLst>
-              </a:rPr>
-              <a:t> </a:t>
-            </a:r>
-            <a:r>
-              <a:rPr lang="en-US" altLang="zh-CN" sz="3200" dirty="0">
-                <a:ln w="0"/>
-                <a:effectLst>
-                  <a:outerShdw blurRad="38100" dist="19050" dir="2700000" algn="tl" rotWithShape="0">
-                    <a:schemeClr val="dk1">
-                      <a:alpha val="40000"/>
-                    </a:schemeClr>
-                  </a:outerShdw>
-                </a:effectLst>
-              </a:rPr>
-              <a:t>or</a:t>
-            </a:r>
-            <a:r>
-              <a:rPr lang="zh-CN" altLang="en-US" sz="3200" dirty="0">
-                <a:ln w="0"/>
-                <a:effectLst>
-                  <a:outerShdw blurRad="38100" dist="19050" dir="2700000" algn="tl" rotWithShape="0">
-                    <a:schemeClr val="dk1">
-                      <a:alpha val="40000"/>
-                    </a:schemeClr>
-                  </a:outerShdw>
-                </a:effectLst>
-              </a:rPr>
-              <a:t> </a:t>
-            </a:r>
-            <a:r>
-              <a:rPr lang="en-US" altLang="zh-CN" sz="3200" dirty="0">
-                <a:ln w="0"/>
-                <a:effectLst>
-                  <a:outerShdw blurRad="38100" dist="19050" dir="2700000" algn="tl" rotWithShape="0">
-                    <a:schemeClr val="dk1">
-                      <a:alpha val="40000"/>
-                    </a:schemeClr>
-                  </a:outerShdw>
-                </a:effectLst>
-              </a:rPr>
-              <a:t>events</a:t>
-            </a:r>
+              <a:rPr lang="en-US" altLang="zh-CN" sz="3200" dirty="0" smtClean="0">
+                <a:ln w="0"/>
+                <a:effectLst>
+                  <a:outerShdw blurRad="38100" dist="19050" dir="2700000" algn="tl" rotWithShape="0">
+                    <a:schemeClr val="dk1">
+                      <a:alpha val="40000"/>
+                    </a:schemeClr>
+                  </a:outerShdw>
+                </a:effectLst>
+              </a:rPr>
+              <a:t>Detail of the upcoming events(direction, add to calendar)</a:t>
+            </a:r>
+            <a:endParaRPr lang="en-US" altLang="zh-CN" sz="3200" dirty="0">
+              <a:ln w="0"/>
+              <a:effectLst>
+                <a:outerShdw blurRad="38100" dist="19050" dir="2700000" algn="tl" rotWithShape="0">
+                  <a:schemeClr val="dk1">
+                    <a:alpha val="40000"/>
+                  </a:schemeClr>
+                </a:outerShdw>
+              </a:effectLst>
+            </a:endParaRPr>
           </a:p>
           <a:p>
             <a:pPr>
@@ -6396,6 +6656,13 @@
   <p:clrMapOvr>
     <a:masterClrMapping/>
   </p:clrMapOvr>
+  <p:timing>
+    <p:tnLst>
+      <p:par>
+        <p:cTn id="1" dur="indefinite" restart="never" nodeType="tmRoot"/>
+      </p:par>
+    </p:tnLst>
+  </p:timing>
 </p:sld>
 </file>
 
@@ -6416,605 +6683,53 @@
           <a:chExt cx="0" cy="0"/>
         </a:xfrm>
       </p:grpSpPr>
-      <p:sp>
-        <p:nvSpPr>
-          <p:cNvPr id="2" name="Title 1"/>
-          <p:cNvSpPr>
-            <a:spLocks noGrp="1"/>
-          </p:cNvSpPr>
-          <p:nvPr>
-            <p:ph type="title"/>
-          </p:nvPr>
-        </p:nvSpPr>
+      <p:pic>
+        <p:nvPicPr>
+          <p:cNvPr id="4" name="Picture 3"/>
+          <p:cNvPicPr>
+            <a:picLocks noChangeAspect="1"/>
+          </p:cNvPicPr>
+          <p:nvPr/>
+        </p:nvPicPr>
+        <p:blipFill>
+          <a:blip r:embed="rId2">
+            <a:extLst>
+              <a:ext uri="{28A0092B-C50C-407E-A947-70E740481C1C}">
+                <a14:useLocalDpi xmlns:a14="http://schemas.microsoft.com/office/drawing/2010/main" val="0"/>
+              </a:ext>
+            </a:extLst>
+          </a:blip>
+          <a:stretch>
+            <a:fillRect/>
+          </a:stretch>
+        </p:blipFill>
         <p:spPr>
           <a:xfrm>
-            <a:off x="940117" y="728663"/>
-            <a:ext cx="10058400" cy="965835"/>
+            <a:off x="357188" y="16171"/>
+            <a:ext cx="11315700" cy="6227467"/>
           </a:xfrm>
+          <a:prstGeom prst="rect">
+            <a:avLst/>
+          </a:prstGeom>
         </p:spPr>
-        <p:txBody>
-          <a:bodyPr/>
-          <a:lstStyle/>
-          <a:p>
-            <a:r>
-              <a:rPr lang="en-US" altLang="zh-CN" b="1" dirty="0"/>
-              <a:t>Challenges/Goals:</a:t>
-            </a:r>
-            <a:endParaRPr lang="en-US" b="1" dirty="0"/>
-          </a:p>
-        </p:txBody>
-      </p:sp>
-      <p:sp>
-        <p:nvSpPr>
-          <p:cNvPr id="3" name="Content Placeholder 2"/>
-          <p:cNvSpPr>
-            <a:spLocks noGrp="1"/>
-          </p:cNvSpPr>
-          <p:nvPr>
-            <p:ph idx="1"/>
-          </p:nvPr>
-        </p:nvSpPr>
-        <p:spPr>
-          <a:xfrm>
-            <a:off x="1054417" y="1694498"/>
-            <a:ext cx="10058400" cy="4023360"/>
-          </a:xfrm>
-        </p:spPr>
-        <p:txBody>
-          <a:bodyPr>
-            <a:normAutofit/>
-          </a:bodyPr>
-          <a:lstStyle/>
-          <a:p>
-            <a:pPr>
-              <a:lnSpc>
-                <a:spcPct val="150000"/>
-              </a:lnSpc>
-              <a:buFont typeface="Wingdings" charset="2"/>
-              <a:buChar char="v"/>
-            </a:pPr>
-            <a:r>
-              <a:rPr lang="en-US" altLang="zh-CN" sz="3200" dirty="0">
-                <a:ln w="0"/>
-                <a:effectLst>
-                  <a:outerShdw blurRad="38100" dist="19050" dir="2700000" algn="tl" rotWithShape="0">
-                    <a:schemeClr val="dk1">
-                      <a:alpha val="40000"/>
-                    </a:schemeClr>
-                  </a:outerShdw>
-                </a:effectLst>
-              </a:rPr>
-              <a:t>Clear</a:t>
-            </a:r>
-            <a:r>
-              <a:rPr lang="zh-CN" altLang="en-US" sz="3200" dirty="0">
-                <a:ln w="0"/>
-                <a:effectLst>
-                  <a:outerShdw blurRad="38100" dist="19050" dir="2700000" algn="tl" rotWithShape="0">
-                    <a:schemeClr val="dk1">
-                      <a:alpha val="40000"/>
-                    </a:schemeClr>
-                  </a:outerShdw>
-                </a:effectLst>
-              </a:rPr>
-              <a:t> </a:t>
-            </a:r>
-            <a:r>
-              <a:rPr lang="en-US" altLang="zh-CN" sz="3200" dirty="0">
-                <a:ln w="0"/>
-                <a:effectLst>
-                  <a:outerShdw blurRad="38100" dist="19050" dir="2700000" algn="tl" rotWithShape="0">
-                    <a:schemeClr val="dk1">
-                      <a:alpha val="40000"/>
-                    </a:schemeClr>
-                  </a:outerShdw>
-                </a:effectLst>
-              </a:rPr>
-              <a:t>and</a:t>
-            </a:r>
-            <a:r>
-              <a:rPr lang="zh-CN" altLang="en-US" sz="3200" dirty="0">
-                <a:ln w="0"/>
-                <a:effectLst>
-                  <a:outerShdw blurRad="38100" dist="19050" dir="2700000" algn="tl" rotWithShape="0">
-                    <a:schemeClr val="dk1">
-                      <a:alpha val="40000"/>
-                    </a:schemeClr>
-                  </a:outerShdw>
-                </a:effectLst>
-              </a:rPr>
-              <a:t> </a:t>
-            </a:r>
-            <a:r>
-              <a:rPr lang="en-US" altLang="zh-CN" sz="3200" dirty="0">
-                <a:ln w="0"/>
-                <a:effectLst>
-                  <a:outerShdw blurRad="38100" dist="19050" dir="2700000" algn="tl" rotWithShape="0">
-                    <a:schemeClr val="dk1">
-                      <a:alpha val="40000"/>
-                    </a:schemeClr>
-                  </a:outerShdw>
-                </a:effectLst>
-              </a:rPr>
-              <a:t>concise</a:t>
-            </a:r>
-            <a:r>
-              <a:rPr lang="zh-CN" altLang="en-US" sz="3200" dirty="0">
-                <a:ln w="0"/>
-                <a:effectLst>
-                  <a:outerShdw blurRad="38100" dist="19050" dir="2700000" algn="tl" rotWithShape="0">
-                    <a:schemeClr val="dk1">
-                      <a:alpha val="40000"/>
-                    </a:schemeClr>
-                  </a:outerShdw>
-                </a:effectLst>
-              </a:rPr>
-              <a:t> </a:t>
-            </a:r>
-            <a:r>
-              <a:rPr lang="en-US" altLang="zh-CN" sz="3200" dirty="0">
-                <a:ln w="0"/>
-                <a:effectLst>
-                  <a:outerShdw blurRad="38100" dist="19050" dir="2700000" algn="tl" rotWithShape="0">
-                    <a:schemeClr val="dk1">
-                      <a:alpha val="40000"/>
-                    </a:schemeClr>
-                  </a:outerShdw>
-                </a:effectLst>
-              </a:rPr>
-              <a:t>layout</a:t>
-            </a:r>
-            <a:r>
-              <a:rPr lang="zh-CN" altLang="en-US" sz="3200" dirty="0">
-                <a:ln w="0"/>
-                <a:effectLst>
-                  <a:outerShdw blurRad="38100" dist="19050" dir="2700000" algn="tl" rotWithShape="0">
-                    <a:schemeClr val="dk1">
-                      <a:alpha val="40000"/>
-                    </a:schemeClr>
-                  </a:outerShdw>
-                </a:effectLst>
-              </a:rPr>
-              <a:t> </a:t>
-            </a:r>
-            <a:endParaRPr lang="en-US" altLang="zh-CN" sz="3200" dirty="0">
-              <a:ln w="0"/>
-              <a:effectLst>
-                <a:outerShdw blurRad="38100" dist="19050" dir="2700000" algn="tl" rotWithShape="0">
-                  <a:schemeClr val="dk1">
-                    <a:alpha val="40000"/>
-                  </a:schemeClr>
-                </a:outerShdw>
-              </a:effectLst>
-            </a:endParaRPr>
-          </a:p>
-          <a:p>
-            <a:pPr>
-              <a:lnSpc>
-                <a:spcPct val="150000"/>
-              </a:lnSpc>
-              <a:buFont typeface="Wingdings" charset="2"/>
-              <a:buChar char="v"/>
-            </a:pPr>
-            <a:r>
-              <a:rPr lang="en-US" altLang="zh-CN" sz="3200" dirty="0">
-                <a:ln w="0"/>
-                <a:effectLst>
-                  <a:outerShdw blurRad="38100" dist="19050" dir="2700000" algn="tl" rotWithShape="0">
-                    <a:schemeClr val="dk1">
-                      <a:alpha val="40000"/>
-                    </a:schemeClr>
-                  </a:outerShdw>
-                </a:effectLst>
-              </a:rPr>
-              <a:t>Interactive</a:t>
-            </a:r>
-            <a:r>
-              <a:rPr lang="zh-CN" altLang="en-US" sz="3200" dirty="0">
-                <a:ln w="0"/>
-                <a:effectLst>
-                  <a:outerShdw blurRad="38100" dist="19050" dir="2700000" algn="tl" rotWithShape="0">
-                    <a:schemeClr val="dk1">
-                      <a:alpha val="40000"/>
-                    </a:schemeClr>
-                  </a:outerShdw>
-                </a:effectLst>
-              </a:rPr>
-              <a:t> </a:t>
-            </a:r>
-            <a:r>
-              <a:rPr lang="en-US" altLang="zh-CN" sz="3200" dirty="0">
-                <a:ln w="0"/>
-                <a:effectLst>
-                  <a:outerShdw blurRad="38100" dist="19050" dir="2700000" algn="tl" rotWithShape="0">
-                    <a:schemeClr val="dk1">
-                      <a:alpha val="40000"/>
-                    </a:schemeClr>
-                  </a:outerShdw>
-                </a:effectLst>
-              </a:rPr>
-              <a:t>user</a:t>
-            </a:r>
-            <a:r>
-              <a:rPr lang="zh-CN" altLang="en-US" sz="3200" dirty="0">
-                <a:ln w="0"/>
-                <a:effectLst>
-                  <a:outerShdw blurRad="38100" dist="19050" dir="2700000" algn="tl" rotWithShape="0">
-                    <a:schemeClr val="dk1">
-                      <a:alpha val="40000"/>
-                    </a:schemeClr>
-                  </a:outerShdw>
-                </a:effectLst>
-              </a:rPr>
-              <a:t> </a:t>
-            </a:r>
-            <a:r>
-              <a:rPr lang="en-US" altLang="zh-CN" sz="3200" dirty="0">
-                <a:ln w="0"/>
-                <a:effectLst>
-                  <a:outerShdw blurRad="38100" dist="19050" dir="2700000" algn="tl" rotWithShape="0">
-                    <a:schemeClr val="dk1">
-                      <a:alpha val="40000"/>
-                    </a:schemeClr>
-                  </a:outerShdw>
-                </a:effectLst>
-              </a:rPr>
-              <a:t>experience</a:t>
-            </a:r>
-            <a:r>
-              <a:rPr lang="zh-CN" altLang="en-US" sz="3200" dirty="0">
-                <a:ln w="0"/>
-                <a:effectLst>
-                  <a:outerShdw blurRad="38100" dist="19050" dir="2700000" algn="tl" rotWithShape="0">
-                    <a:schemeClr val="dk1">
-                      <a:alpha val="40000"/>
-                    </a:schemeClr>
-                  </a:outerShdw>
-                </a:effectLst>
-              </a:rPr>
-              <a:t> </a:t>
-            </a:r>
-            <a:r>
-              <a:rPr lang="en-US" altLang="zh-CN" sz="3200" dirty="0">
-                <a:ln w="0"/>
-                <a:effectLst>
-                  <a:outerShdw blurRad="38100" dist="19050" dir="2700000" algn="tl" rotWithShape="0">
-                    <a:schemeClr val="dk1">
-                      <a:alpha val="40000"/>
-                    </a:schemeClr>
-                  </a:outerShdw>
-                </a:effectLst>
-              </a:rPr>
-              <a:t>using</a:t>
-            </a:r>
-            <a:r>
-              <a:rPr lang="zh-CN" altLang="en-US" sz="3200" dirty="0">
-                <a:ln w="0"/>
-                <a:effectLst>
-                  <a:outerShdw blurRad="38100" dist="19050" dir="2700000" algn="tl" rotWithShape="0">
-                    <a:schemeClr val="dk1">
-                      <a:alpha val="40000"/>
-                    </a:schemeClr>
-                  </a:outerShdw>
-                </a:effectLst>
-              </a:rPr>
-              <a:t> </a:t>
-            </a:r>
-            <a:r>
-              <a:rPr lang="en-US" altLang="zh-CN" sz="3200" dirty="0">
-                <a:ln w="0"/>
-                <a:effectLst>
-                  <a:outerShdw blurRad="38100" dist="19050" dir="2700000" algn="tl" rotWithShape="0">
-                    <a:schemeClr val="dk1">
-                      <a:alpha val="40000"/>
-                    </a:schemeClr>
-                  </a:outerShdw>
-                </a:effectLst>
-              </a:rPr>
-              <a:t>AJAX/</a:t>
-            </a:r>
-            <a:r>
-              <a:rPr lang="en-US" altLang="zh-CN" sz="3200" dirty="0" err="1">
-                <a:ln w="0"/>
-                <a:effectLst>
-                  <a:outerShdw blurRad="38100" dist="19050" dir="2700000" algn="tl" rotWithShape="0">
-                    <a:schemeClr val="dk1">
-                      <a:alpha val="40000"/>
-                    </a:schemeClr>
-                  </a:outerShdw>
-                </a:effectLst>
-              </a:rPr>
-              <a:t>Javascript</a:t>
-            </a:r>
-            <a:r>
-              <a:rPr lang="zh-CN" altLang="en-US" sz="3200" dirty="0">
-                <a:ln w="0"/>
-                <a:effectLst>
-                  <a:outerShdw blurRad="38100" dist="19050" dir="2700000" algn="tl" rotWithShape="0">
-                    <a:schemeClr val="dk1">
-                      <a:alpha val="40000"/>
-                    </a:schemeClr>
-                  </a:outerShdw>
-                </a:effectLst>
-              </a:rPr>
-              <a:t> </a:t>
-            </a:r>
-            <a:endParaRPr lang="en-US" altLang="zh-CN" sz="3200" dirty="0">
-              <a:ln w="0"/>
-              <a:effectLst>
-                <a:outerShdw blurRad="38100" dist="19050" dir="2700000" algn="tl" rotWithShape="0">
-                  <a:schemeClr val="dk1">
-                    <a:alpha val="40000"/>
-                  </a:schemeClr>
-                </a:outerShdw>
-              </a:effectLst>
-            </a:endParaRPr>
-          </a:p>
-          <a:p>
-            <a:pPr>
-              <a:lnSpc>
-                <a:spcPct val="150000"/>
-              </a:lnSpc>
-              <a:buFont typeface="Wingdings" charset="2"/>
-              <a:buChar char="v"/>
-            </a:pPr>
-            <a:r>
-              <a:rPr lang="en-US" altLang="zh-CN" sz="3200" dirty="0">
-                <a:ln w="0"/>
-                <a:effectLst>
-                  <a:outerShdw blurRad="38100" dist="19050" dir="2700000" algn="tl" rotWithShape="0">
-                    <a:schemeClr val="dk1">
-                      <a:alpha val="40000"/>
-                    </a:schemeClr>
-                  </a:outerShdw>
-                </a:effectLst>
-              </a:rPr>
-              <a:t>Timeline/photo</a:t>
-            </a:r>
-            <a:r>
-              <a:rPr lang="zh-CN" altLang="en-US" sz="3200" dirty="0">
-                <a:ln w="0"/>
-                <a:effectLst>
-                  <a:outerShdw blurRad="38100" dist="19050" dir="2700000" algn="tl" rotWithShape="0">
-                    <a:schemeClr val="dk1">
-                      <a:alpha val="40000"/>
-                    </a:schemeClr>
-                  </a:outerShdw>
-                </a:effectLst>
-              </a:rPr>
-              <a:t> </a:t>
-            </a:r>
-            <a:r>
-              <a:rPr lang="en-US" altLang="zh-CN" sz="3200" dirty="0">
-                <a:ln w="0"/>
-                <a:effectLst>
-                  <a:outerShdw blurRad="38100" dist="19050" dir="2700000" algn="tl" rotWithShape="0">
-                    <a:schemeClr val="dk1">
-                      <a:alpha val="40000"/>
-                    </a:schemeClr>
-                  </a:outerShdw>
-                </a:effectLst>
-              </a:rPr>
-              <a:t>story:</a:t>
-            </a:r>
-            <a:r>
-              <a:rPr lang="zh-CN" altLang="en-US" sz="3200" dirty="0">
-                <a:ln w="0"/>
-                <a:effectLst>
-                  <a:outerShdw blurRad="38100" dist="19050" dir="2700000" algn="tl" rotWithShape="0">
-                    <a:schemeClr val="dk1">
-                      <a:alpha val="40000"/>
-                    </a:schemeClr>
-                  </a:outerShdw>
-                </a:effectLst>
-              </a:rPr>
-              <a:t> </a:t>
-            </a:r>
-            <a:r>
-              <a:rPr lang="en-US" altLang="zh-CN" sz="3200" dirty="0">
-                <a:ln w="0"/>
-                <a:effectLst>
-                  <a:outerShdw blurRad="38100" dist="19050" dir="2700000" algn="tl" rotWithShape="0">
-                    <a:schemeClr val="dk1">
-                      <a:alpha val="40000"/>
-                    </a:schemeClr>
-                  </a:outerShdw>
-                </a:effectLst>
-              </a:rPr>
-              <a:t>personal/moving</a:t>
-            </a:r>
-          </a:p>
-          <a:p>
-            <a:pPr>
-              <a:lnSpc>
-                <a:spcPct val="150000"/>
-              </a:lnSpc>
-              <a:buFont typeface="Wingdings" charset="2"/>
-              <a:buChar char="v"/>
-            </a:pPr>
-            <a:r>
-              <a:rPr lang="en-US" altLang="zh-CN" sz="3200" dirty="0">
-                <a:ln w="0"/>
-                <a:effectLst>
-                  <a:outerShdw blurRad="38100" dist="19050" dir="2700000" algn="tl" rotWithShape="0">
-                    <a:schemeClr val="dk1">
-                      <a:alpha val="40000"/>
-                    </a:schemeClr>
-                  </a:outerShdw>
-                </a:effectLst>
-              </a:rPr>
-              <a:t>Event</a:t>
-            </a:r>
-            <a:r>
-              <a:rPr lang="zh-CN" altLang="en-US" sz="3200" dirty="0">
-                <a:ln w="0"/>
-                <a:effectLst>
-                  <a:outerShdw blurRad="38100" dist="19050" dir="2700000" algn="tl" rotWithShape="0">
-                    <a:schemeClr val="dk1">
-                      <a:alpha val="40000"/>
-                    </a:schemeClr>
-                  </a:outerShdw>
-                </a:effectLst>
-              </a:rPr>
-              <a:t> </a:t>
-            </a:r>
-            <a:r>
-              <a:rPr lang="en-US" altLang="zh-CN" sz="3200" dirty="0">
-                <a:ln w="0"/>
-                <a:effectLst>
-                  <a:outerShdw blurRad="38100" dist="19050" dir="2700000" algn="tl" rotWithShape="0">
-                    <a:schemeClr val="dk1">
-                      <a:alpha val="40000"/>
-                    </a:schemeClr>
-                  </a:outerShdw>
-                </a:effectLst>
-              </a:rPr>
-              <a:t>management:</a:t>
-            </a:r>
-            <a:r>
-              <a:rPr lang="zh-CN" altLang="en-US" sz="3200" dirty="0">
-                <a:ln w="0"/>
-                <a:effectLst>
-                  <a:outerShdw blurRad="38100" dist="19050" dir="2700000" algn="tl" rotWithShape="0">
-                    <a:schemeClr val="dk1">
-                      <a:alpha val="40000"/>
-                    </a:schemeClr>
-                  </a:outerShdw>
-                </a:effectLst>
-              </a:rPr>
-              <a:t> </a:t>
-            </a:r>
-            <a:r>
-              <a:rPr lang="en-US" altLang="zh-CN" sz="3200" dirty="0">
-                <a:ln w="0"/>
-                <a:effectLst>
-                  <a:outerShdw blurRad="38100" dist="19050" dir="2700000" algn="tl" rotWithShape="0">
-                    <a:schemeClr val="dk1">
-                      <a:alpha val="40000"/>
-                    </a:schemeClr>
-                  </a:outerShdw>
-                </a:effectLst>
-              </a:rPr>
-              <a:t>easy</a:t>
-            </a:r>
-            <a:r>
-              <a:rPr lang="zh-CN" altLang="en-US" sz="3200" dirty="0">
-                <a:ln w="0"/>
-                <a:effectLst>
-                  <a:outerShdw blurRad="38100" dist="19050" dir="2700000" algn="tl" rotWithShape="0">
-                    <a:schemeClr val="dk1">
-                      <a:alpha val="40000"/>
-                    </a:schemeClr>
-                  </a:outerShdw>
-                </a:effectLst>
-              </a:rPr>
-              <a:t> </a:t>
-            </a:r>
-            <a:r>
-              <a:rPr lang="en-US" altLang="zh-CN" sz="3200" dirty="0">
-                <a:ln w="0"/>
-                <a:effectLst>
-                  <a:outerShdw blurRad="38100" dist="19050" dir="2700000" algn="tl" rotWithShape="0">
-                    <a:schemeClr val="dk1">
-                      <a:alpha val="40000"/>
-                    </a:schemeClr>
-                  </a:outerShdw>
-                </a:effectLst>
-              </a:rPr>
-              <a:t>to</a:t>
-            </a:r>
-            <a:r>
-              <a:rPr lang="zh-CN" altLang="en-US" sz="3200" dirty="0">
-                <a:ln w="0"/>
-                <a:effectLst>
-                  <a:outerShdw blurRad="38100" dist="19050" dir="2700000" algn="tl" rotWithShape="0">
-                    <a:schemeClr val="dk1">
-                      <a:alpha val="40000"/>
-                    </a:schemeClr>
-                  </a:outerShdw>
-                </a:effectLst>
-              </a:rPr>
-              <a:t> </a:t>
-            </a:r>
-            <a:r>
-              <a:rPr lang="en-US" altLang="zh-CN" sz="3200" dirty="0">
-                <a:ln w="0"/>
-                <a:effectLst>
-                  <a:outerShdw blurRad="38100" dist="19050" dir="2700000" algn="tl" rotWithShape="0">
-                    <a:schemeClr val="dk1">
-                      <a:alpha val="40000"/>
-                    </a:schemeClr>
-                  </a:outerShdw>
-                </a:effectLst>
-              </a:rPr>
-              <a:t>organize</a:t>
-            </a:r>
-            <a:r>
-              <a:rPr lang="zh-CN" altLang="en-US" sz="3200" dirty="0">
-                <a:ln w="0"/>
-                <a:effectLst>
-                  <a:outerShdw blurRad="38100" dist="19050" dir="2700000" algn="tl" rotWithShape="0">
-                    <a:schemeClr val="dk1">
-                      <a:alpha val="40000"/>
-                    </a:schemeClr>
-                  </a:outerShdw>
-                </a:effectLst>
-              </a:rPr>
-              <a:t> </a:t>
-            </a:r>
-            <a:r>
-              <a:rPr lang="en-US" altLang="zh-CN" sz="3200" dirty="0">
-                <a:ln w="0"/>
-                <a:effectLst>
-                  <a:outerShdw blurRad="38100" dist="19050" dir="2700000" algn="tl" rotWithShape="0">
-                    <a:schemeClr val="dk1">
-                      <a:alpha val="40000"/>
-                    </a:schemeClr>
-                  </a:outerShdw>
-                </a:effectLst>
-              </a:rPr>
-              <a:t>and</a:t>
-            </a:r>
-            <a:r>
-              <a:rPr lang="zh-CN" altLang="en-US" sz="3200" dirty="0">
-                <a:ln w="0"/>
-                <a:effectLst>
-                  <a:outerShdw blurRad="38100" dist="19050" dir="2700000" algn="tl" rotWithShape="0">
-                    <a:schemeClr val="dk1">
-                      <a:alpha val="40000"/>
-                    </a:schemeClr>
-                  </a:outerShdw>
-                </a:effectLst>
-              </a:rPr>
-              <a:t> </a:t>
-            </a:r>
-            <a:r>
-              <a:rPr lang="en-US" altLang="zh-CN" sz="3200" dirty="0">
-                <a:ln w="0"/>
-                <a:effectLst>
-                  <a:outerShdw blurRad="38100" dist="19050" dir="2700000" algn="tl" rotWithShape="0">
-                    <a:schemeClr val="dk1">
-                      <a:alpha val="40000"/>
-                    </a:schemeClr>
-                  </a:outerShdw>
-                </a:effectLst>
-              </a:rPr>
-              <a:t>informative</a:t>
-            </a:r>
-            <a:endParaRPr lang="en-US" sz="3200" dirty="0"/>
-          </a:p>
-        </p:txBody>
-      </p:sp>
+      </p:pic>
     </p:spTree>
     <p:extLst>
       <p:ext uri="{BB962C8B-B14F-4D97-AF65-F5344CB8AC3E}">
-        <p14:creationId xmlns:p14="http://schemas.microsoft.com/office/powerpoint/2010/main" val="281931244"/>
+        <p14:creationId xmlns:p14="http://schemas.microsoft.com/office/powerpoint/2010/main" val="1846471147"/>
       </p:ext>
     </p:extLst>
   </p:cSld>
   <p:clrMapOvr>
     <a:masterClrMapping/>
   </p:clrMapOvr>
+  <p:timing>
+    <p:tnLst>
+      <p:par>
+        <p:cTn id="1" dur="indefinite" restart="never" nodeType="tmRoot"/>
+      </p:par>
+    </p:tnLst>
+  </p:timing>
 </p:sld>
 </file>
 
@@ -7045,57 +6760,602 @@
             <p:ph type="title"/>
           </p:nvPr>
         </p:nvSpPr>
-        <p:spPr/>
+        <p:spPr>
+          <a:xfrm>
+            <a:off x="940117" y="728663"/>
+            <a:ext cx="10058400" cy="965835"/>
+          </a:xfrm>
+        </p:spPr>
         <p:txBody>
           <a:bodyPr/>
           <a:lstStyle/>
           <a:p>
             <a:r>
-              <a:rPr lang="en-US" dirty="0"/>
-              <a:t>Data Flow</a:t>
-            </a:r>
-          </a:p>
-        </p:txBody>
-      </p:sp>
-      <p:pic>
-        <p:nvPicPr>
-          <p:cNvPr id="4" name="Content Placeholder 3"/>
-          <p:cNvPicPr>
-            <a:picLocks noGrp="1" noChangeAspect="1"/>
-          </p:cNvPicPr>
+              <a:rPr lang="en-US" altLang="zh-CN" b="1" dirty="0"/>
+              <a:t>Challenges/Goals:</a:t>
+            </a:r>
+            <a:endParaRPr lang="en-US" b="1" dirty="0"/>
+          </a:p>
+        </p:txBody>
+      </p:sp>
+      <p:sp>
+        <p:nvSpPr>
+          <p:cNvPr id="3" name="Content Placeholder 2"/>
+          <p:cNvSpPr>
+            <a:spLocks noGrp="1"/>
+          </p:cNvSpPr>
           <p:nvPr>
             <p:ph idx="1"/>
           </p:nvPr>
-        </p:nvPicPr>
-        <p:blipFill>
-          <a:blip r:embed="rId2">
-            <a:extLst>
-              <a:ext uri="{28A0092B-C50C-407E-A947-70E740481C1C}">
-                <a14:useLocalDpi xmlns:a14="http://schemas.microsoft.com/office/drawing/2010/main" val="0"/>
-              </a:ext>
-            </a:extLst>
-          </a:blip>
-          <a:stretch>
-            <a:fillRect/>
-          </a:stretch>
-        </p:blipFill>
+        </p:nvSpPr>
         <p:spPr>
           <a:xfrm>
-            <a:off x="1617785" y="1871315"/>
-            <a:ext cx="8412480" cy="4357589"/>
+            <a:off x="1054417" y="1694498"/>
+            <a:ext cx="10058400" cy="4023360"/>
           </a:xfrm>
         </p:spPr>
-      </p:pic>
+        <p:txBody>
+          <a:bodyPr>
+            <a:normAutofit/>
+          </a:bodyPr>
+          <a:lstStyle/>
+          <a:p>
+            <a:pPr>
+              <a:lnSpc>
+                <a:spcPct val="150000"/>
+              </a:lnSpc>
+              <a:buFont typeface="Wingdings" charset="2"/>
+              <a:buChar char="v"/>
+            </a:pPr>
+            <a:r>
+              <a:rPr lang="en-US" altLang="zh-CN" sz="3200" dirty="0">
+                <a:ln w="0"/>
+                <a:effectLst>
+                  <a:outerShdw blurRad="38100" dist="19050" dir="2700000" algn="tl" rotWithShape="0">
+                    <a:schemeClr val="dk1">
+                      <a:alpha val="40000"/>
+                    </a:schemeClr>
+                  </a:outerShdw>
+                </a:effectLst>
+              </a:rPr>
+              <a:t>Clear</a:t>
+            </a:r>
+            <a:r>
+              <a:rPr lang="zh-CN" altLang="en-US" sz="3200" dirty="0">
+                <a:ln w="0"/>
+                <a:effectLst>
+                  <a:outerShdw blurRad="38100" dist="19050" dir="2700000" algn="tl" rotWithShape="0">
+                    <a:schemeClr val="dk1">
+                      <a:alpha val="40000"/>
+                    </a:schemeClr>
+                  </a:outerShdw>
+                </a:effectLst>
+              </a:rPr>
+              <a:t> </a:t>
+            </a:r>
+            <a:r>
+              <a:rPr lang="en-US" altLang="zh-CN" sz="3200" dirty="0">
+                <a:ln w="0"/>
+                <a:effectLst>
+                  <a:outerShdw blurRad="38100" dist="19050" dir="2700000" algn="tl" rotWithShape="0">
+                    <a:schemeClr val="dk1">
+                      <a:alpha val="40000"/>
+                    </a:schemeClr>
+                  </a:outerShdw>
+                </a:effectLst>
+              </a:rPr>
+              <a:t>and</a:t>
+            </a:r>
+            <a:r>
+              <a:rPr lang="zh-CN" altLang="en-US" sz="3200" dirty="0">
+                <a:ln w="0"/>
+                <a:effectLst>
+                  <a:outerShdw blurRad="38100" dist="19050" dir="2700000" algn="tl" rotWithShape="0">
+                    <a:schemeClr val="dk1">
+                      <a:alpha val="40000"/>
+                    </a:schemeClr>
+                  </a:outerShdw>
+                </a:effectLst>
+              </a:rPr>
+              <a:t> </a:t>
+            </a:r>
+            <a:r>
+              <a:rPr lang="en-US" altLang="zh-CN" sz="3200" dirty="0">
+                <a:ln w="0"/>
+                <a:effectLst>
+                  <a:outerShdw blurRad="38100" dist="19050" dir="2700000" algn="tl" rotWithShape="0">
+                    <a:schemeClr val="dk1">
+                      <a:alpha val="40000"/>
+                    </a:schemeClr>
+                  </a:outerShdw>
+                </a:effectLst>
+              </a:rPr>
+              <a:t>concise</a:t>
+            </a:r>
+            <a:r>
+              <a:rPr lang="zh-CN" altLang="en-US" sz="3200" dirty="0">
+                <a:ln w="0"/>
+                <a:effectLst>
+                  <a:outerShdw blurRad="38100" dist="19050" dir="2700000" algn="tl" rotWithShape="0">
+                    <a:schemeClr val="dk1">
+                      <a:alpha val="40000"/>
+                    </a:schemeClr>
+                  </a:outerShdw>
+                </a:effectLst>
+              </a:rPr>
+              <a:t> </a:t>
+            </a:r>
+            <a:r>
+              <a:rPr lang="en-US" altLang="zh-CN" sz="3200" dirty="0">
+                <a:ln w="0"/>
+                <a:effectLst>
+                  <a:outerShdw blurRad="38100" dist="19050" dir="2700000" algn="tl" rotWithShape="0">
+                    <a:schemeClr val="dk1">
+                      <a:alpha val="40000"/>
+                    </a:schemeClr>
+                  </a:outerShdw>
+                </a:effectLst>
+              </a:rPr>
+              <a:t>layout</a:t>
+            </a:r>
+            <a:r>
+              <a:rPr lang="zh-CN" altLang="en-US" sz="3200" dirty="0">
+                <a:ln w="0"/>
+                <a:effectLst>
+                  <a:outerShdw blurRad="38100" dist="19050" dir="2700000" algn="tl" rotWithShape="0">
+                    <a:schemeClr val="dk1">
+                      <a:alpha val="40000"/>
+                    </a:schemeClr>
+                  </a:outerShdw>
+                </a:effectLst>
+              </a:rPr>
+              <a:t> </a:t>
+            </a:r>
+            <a:endParaRPr lang="en-US" altLang="zh-CN" sz="3200" dirty="0">
+              <a:ln w="0"/>
+              <a:effectLst>
+                <a:outerShdw blurRad="38100" dist="19050" dir="2700000" algn="tl" rotWithShape="0">
+                  <a:schemeClr val="dk1">
+                    <a:alpha val="40000"/>
+                  </a:schemeClr>
+                </a:outerShdw>
+              </a:effectLst>
+            </a:endParaRPr>
+          </a:p>
+          <a:p>
+            <a:pPr>
+              <a:lnSpc>
+                <a:spcPct val="150000"/>
+              </a:lnSpc>
+              <a:buFont typeface="Wingdings" charset="2"/>
+              <a:buChar char="v"/>
+            </a:pPr>
+            <a:r>
+              <a:rPr lang="en-US" altLang="zh-CN" sz="3200" dirty="0">
+                <a:ln w="0"/>
+                <a:effectLst>
+                  <a:outerShdw blurRad="38100" dist="19050" dir="2700000" algn="tl" rotWithShape="0">
+                    <a:schemeClr val="dk1">
+                      <a:alpha val="40000"/>
+                    </a:schemeClr>
+                  </a:outerShdw>
+                </a:effectLst>
+              </a:rPr>
+              <a:t>Interactive</a:t>
+            </a:r>
+            <a:r>
+              <a:rPr lang="zh-CN" altLang="en-US" sz="3200" dirty="0">
+                <a:ln w="0"/>
+                <a:effectLst>
+                  <a:outerShdw blurRad="38100" dist="19050" dir="2700000" algn="tl" rotWithShape="0">
+                    <a:schemeClr val="dk1">
+                      <a:alpha val="40000"/>
+                    </a:schemeClr>
+                  </a:outerShdw>
+                </a:effectLst>
+              </a:rPr>
+              <a:t> </a:t>
+            </a:r>
+            <a:r>
+              <a:rPr lang="en-US" altLang="zh-CN" sz="3200" dirty="0">
+                <a:ln w="0"/>
+                <a:effectLst>
+                  <a:outerShdw blurRad="38100" dist="19050" dir="2700000" algn="tl" rotWithShape="0">
+                    <a:schemeClr val="dk1">
+                      <a:alpha val="40000"/>
+                    </a:schemeClr>
+                  </a:outerShdw>
+                </a:effectLst>
+              </a:rPr>
+              <a:t>user</a:t>
+            </a:r>
+            <a:r>
+              <a:rPr lang="zh-CN" altLang="en-US" sz="3200" dirty="0">
+                <a:ln w="0"/>
+                <a:effectLst>
+                  <a:outerShdw blurRad="38100" dist="19050" dir="2700000" algn="tl" rotWithShape="0">
+                    <a:schemeClr val="dk1">
+                      <a:alpha val="40000"/>
+                    </a:schemeClr>
+                  </a:outerShdw>
+                </a:effectLst>
+              </a:rPr>
+              <a:t> </a:t>
+            </a:r>
+            <a:r>
+              <a:rPr lang="en-US" altLang="zh-CN" sz="3200" dirty="0">
+                <a:ln w="0"/>
+                <a:effectLst>
+                  <a:outerShdw blurRad="38100" dist="19050" dir="2700000" algn="tl" rotWithShape="0">
+                    <a:schemeClr val="dk1">
+                      <a:alpha val="40000"/>
+                    </a:schemeClr>
+                  </a:outerShdw>
+                </a:effectLst>
+              </a:rPr>
+              <a:t>experience</a:t>
+            </a:r>
+            <a:r>
+              <a:rPr lang="zh-CN" altLang="en-US" sz="3200" dirty="0">
+                <a:ln w="0"/>
+                <a:effectLst>
+                  <a:outerShdw blurRad="38100" dist="19050" dir="2700000" algn="tl" rotWithShape="0">
+                    <a:schemeClr val="dk1">
+                      <a:alpha val="40000"/>
+                    </a:schemeClr>
+                  </a:outerShdw>
+                </a:effectLst>
+              </a:rPr>
+              <a:t> </a:t>
+            </a:r>
+            <a:r>
+              <a:rPr lang="en-US" altLang="zh-CN" sz="3200" dirty="0">
+                <a:ln w="0"/>
+                <a:effectLst>
+                  <a:outerShdw blurRad="38100" dist="19050" dir="2700000" algn="tl" rotWithShape="0">
+                    <a:schemeClr val="dk1">
+                      <a:alpha val="40000"/>
+                    </a:schemeClr>
+                  </a:outerShdw>
+                </a:effectLst>
+              </a:rPr>
+              <a:t>using</a:t>
+            </a:r>
+            <a:r>
+              <a:rPr lang="zh-CN" altLang="en-US" sz="3200" dirty="0">
+                <a:ln w="0"/>
+                <a:effectLst>
+                  <a:outerShdw blurRad="38100" dist="19050" dir="2700000" algn="tl" rotWithShape="0">
+                    <a:schemeClr val="dk1">
+                      <a:alpha val="40000"/>
+                    </a:schemeClr>
+                  </a:outerShdw>
+                </a:effectLst>
+              </a:rPr>
+              <a:t> </a:t>
+            </a:r>
+            <a:r>
+              <a:rPr lang="en-US" altLang="zh-CN" sz="3200" dirty="0">
+                <a:ln w="0"/>
+                <a:effectLst>
+                  <a:outerShdw blurRad="38100" dist="19050" dir="2700000" algn="tl" rotWithShape="0">
+                    <a:schemeClr val="dk1">
+                      <a:alpha val="40000"/>
+                    </a:schemeClr>
+                  </a:outerShdw>
+                </a:effectLst>
+              </a:rPr>
+              <a:t>AJAX/</a:t>
+            </a:r>
+            <a:r>
+              <a:rPr lang="en-US" altLang="zh-CN" sz="3200" dirty="0" err="1">
+                <a:ln w="0"/>
+                <a:effectLst>
+                  <a:outerShdw blurRad="38100" dist="19050" dir="2700000" algn="tl" rotWithShape="0">
+                    <a:schemeClr val="dk1">
+                      <a:alpha val="40000"/>
+                    </a:schemeClr>
+                  </a:outerShdw>
+                </a:effectLst>
+              </a:rPr>
+              <a:t>Javascript</a:t>
+            </a:r>
+            <a:r>
+              <a:rPr lang="zh-CN" altLang="en-US" sz="3200" dirty="0">
+                <a:ln w="0"/>
+                <a:effectLst>
+                  <a:outerShdw blurRad="38100" dist="19050" dir="2700000" algn="tl" rotWithShape="0">
+                    <a:schemeClr val="dk1">
+                      <a:alpha val="40000"/>
+                    </a:schemeClr>
+                  </a:outerShdw>
+                </a:effectLst>
+              </a:rPr>
+              <a:t> </a:t>
+            </a:r>
+            <a:endParaRPr lang="en-US" altLang="zh-CN" sz="3200" dirty="0">
+              <a:ln w="0"/>
+              <a:effectLst>
+                <a:outerShdw blurRad="38100" dist="19050" dir="2700000" algn="tl" rotWithShape="0">
+                  <a:schemeClr val="dk1">
+                    <a:alpha val="40000"/>
+                  </a:schemeClr>
+                </a:outerShdw>
+              </a:effectLst>
+            </a:endParaRPr>
+          </a:p>
+          <a:p>
+            <a:pPr>
+              <a:lnSpc>
+                <a:spcPct val="150000"/>
+              </a:lnSpc>
+              <a:buFont typeface="Wingdings" charset="2"/>
+              <a:buChar char="v"/>
+            </a:pPr>
+            <a:r>
+              <a:rPr lang="en-US" altLang="zh-CN" sz="3200" dirty="0">
+                <a:ln w="0"/>
+                <a:effectLst>
+                  <a:outerShdw blurRad="38100" dist="19050" dir="2700000" algn="tl" rotWithShape="0">
+                    <a:schemeClr val="dk1">
+                      <a:alpha val="40000"/>
+                    </a:schemeClr>
+                  </a:outerShdw>
+                </a:effectLst>
+              </a:rPr>
+              <a:t>Timeline/photo</a:t>
+            </a:r>
+            <a:r>
+              <a:rPr lang="zh-CN" altLang="en-US" sz="3200" dirty="0">
+                <a:ln w="0"/>
+                <a:effectLst>
+                  <a:outerShdw blurRad="38100" dist="19050" dir="2700000" algn="tl" rotWithShape="0">
+                    <a:schemeClr val="dk1">
+                      <a:alpha val="40000"/>
+                    </a:schemeClr>
+                  </a:outerShdw>
+                </a:effectLst>
+              </a:rPr>
+              <a:t> </a:t>
+            </a:r>
+            <a:r>
+              <a:rPr lang="en-US" altLang="zh-CN" sz="3200" dirty="0">
+                <a:ln w="0"/>
+                <a:effectLst>
+                  <a:outerShdw blurRad="38100" dist="19050" dir="2700000" algn="tl" rotWithShape="0">
+                    <a:schemeClr val="dk1">
+                      <a:alpha val="40000"/>
+                    </a:schemeClr>
+                  </a:outerShdw>
+                </a:effectLst>
+              </a:rPr>
+              <a:t>story:</a:t>
+            </a:r>
+            <a:r>
+              <a:rPr lang="zh-CN" altLang="en-US" sz="3200" dirty="0">
+                <a:ln w="0"/>
+                <a:effectLst>
+                  <a:outerShdw blurRad="38100" dist="19050" dir="2700000" algn="tl" rotWithShape="0">
+                    <a:schemeClr val="dk1">
+                      <a:alpha val="40000"/>
+                    </a:schemeClr>
+                  </a:outerShdw>
+                </a:effectLst>
+              </a:rPr>
+              <a:t> </a:t>
+            </a:r>
+            <a:r>
+              <a:rPr lang="en-US" altLang="zh-CN" sz="3200" dirty="0">
+                <a:ln w="0"/>
+                <a:effectLst>
+                  <a:outerShdw blurRad="38100" dist="19050" dir="2700000" algn="tl" rotWithShape="0">
+                    <a:schemeClr val="dk1">
+                      <a:alpha val="40000"/>
+                    </a:schemeClr>
+                  </a:outerShdw>
+                </a:effectLst>
+              </a:rPr>
+              <a:t>personal/moving</a:t>
+            </a:r>
+          </a:p>
+          <a:p>
+            <a:pPr>
+              <a:lnSpc>
+                <a:spcPct val="150000"/>
+              </a:lnSpc>
+              <a:buFont typeface="Wingdings" charset="2"/>
+              <a:buChar char="v"/>
+            </a:pPr>
+            <a:r>
+              <a:rPr lang="en-US" altLang="zh-CN" sz="3200" dirty="0">
+                <a:ln w="0"/>
+                <a:effectLst>
+                  <a:outerShdw blurRad="38100" dist="19050" dir="2700000" algn="tl" rotWithShape="0">
+                    <a:schemeClr val="dk1">
+                      <a:alpha val="40000"/>
+                    </a:schemeClr>
+                  </a:outerShdw>
+                </a:effectLst>
+              </a:rPr>
+              <a:t>Event</a:t>
+            </a:r>
+            <a:r>
+              <a:rPr lang="zh-CN" altLang="en-US" sz="3200" dirty="0">
+                <a:ln w="0"/>
+                <a:effectLst>
+                  <a:outerShdw blurRad="38100" dist="19050" dir="2700000" algn="tl" rotWithShape="0">
+                    <a:schemeClr val="dk1">
+                      <a:alpha val="40000"/>
+                    </a:schemeClr>
+                  </a:outerShdw>
+                </a:effectLst>
+              </a:rPr>
+              <a:t> </a:t>
+            </a:r>
+            <a:r>
+              <a:rPr lang="en-US" altLang="zh-CN" sz="3200" dirty="0">
+                <a:ln w="0"/>
+                <a:effectLst>
+                  <a:outerShdw blurRad="38100" dist="19050" dir="2700000" algn="tl" rotWithShape="0">
+                    <a:schemeClr val="dk1">
+                      <a:alpha val="40000"/>
+                    </a:schemeClr>
+                  </a:outerShdw>
+                </a:effectLst>
+              </a:rPr>
+              <a:t>management:</a:t>
+            </a:r>
+            <a:r>
+              <a:rPr lang="zh-CN" altLang="en-US" sz="3200" dirty="0">
+                <a:ln w="0"/>
+                <a:effectLst>
+                  <a:outerShdw blurRad="38100" dist="19050" dir="2700000" algn="tl" rotWithShape="0">
+                    <a:schemeClr val="dk1">
+                      <a:alpha val="40000"/>
+                    </a:schemeClr>
+                  </a:outerShdw>
+                </a:effectLst>
+              </a:rPr>
+              <a:t> </a:t>
+            </a:r>
+            <a:r>
+              <a:rPr lang="en-US" altLang="zh-CN" sz="3200" dirty="0">
+                <a:ln w="0"/>
+                <a:effectLst>
+                  <a:outerShdw blurRad="38100" dist="19050" dir="2700000" algn="tl" rotWithShape="0">
+                    <a:schemeClr val="dk1">
+                      <a:alpha val="40000"/>
+                    </a:schemeClr>
+                  </a:outerShdw>
+                </a:effectLst>
+              </a:rPr>
+              <a:t>easy</a:t>
+            </a:r>
+            <a:r>
+              <a:rPr lang="zh-CN" altLang="en-US" sz="3200" dirty="0">
+                <a:ln w="0"/>
+                <a:effectLst>
+                  <a:outerShdw blurRad="38100" dist="19050" dir="2700000" algn="tl" rotWithShape="0">
+                    <a:schemeClr val="dk1">
+                      <a:alpha val="40000"/>
+                    </a:schemeClr>
+                  </a:outerShdw>
+                </a:effectLst>
+              </a:rPr>
+              <a:t> </a:t>
+            </a:r>
+            <a:r>
+              <a:rPr lang="en-US" altLang="zh-CN" sz="3200" dirty="0">
+                <a:ln w="0"/>
+                <a:effectLst>
+                  <a:outerShdw blurRad="38100" dist="19050" dir="2700000" algn="tl" rotWithShape="0">
+                    <a:schemeClr val="dk1">
+                      <a:alpha val="40000"/>
+                    </a:schemeClr>
+                  </a:outerShdw>
+                </a:effectLst>
+              </a:rPr>
+              <a:t>to</a:t>
+            </a:r>
+            <a:r>
+              <a:rPr lang="zh-CN" altLang="en-US" sz="3200" dirty="0">
+                <a:ln w="0"/>
+                <a:effectLst>
+                  <a:outerShdw blurRad="38100" dist="19050" dir="2700000" algn="tl" rotWithShape="0">
+                    <a:schemeClr val="dk1">
+                      <a:alpha val="40000"/>
+                    </a:schemeClr>
+                  </a:outerShdw>
+                </a:effectLst>
+              </a:rPr>
+              <a:t> </a:t>
+            </a:r>
+            <a:r>
+              <a:rPr lang="en-US" altLang="zh-CN" sz="3200" dirty="0">
+                <a:ln w="0"/>
+                <a:effectLst>
+                  <a:outerShdw blurRad="38100" dist="19050" dir="2700000" algn="tl" rotWithShape="0">
+                    <a:schemeClr val="dk1">
+                      <a:alpha val="40000"/>
+                    </a:schemeClr>
+                  </a:outerShdw>
+                </a:effectLst>
+              </a:rPr>
+              <a:t>organize</a:t>
+            </a:r>
+            <a:r>
+              <a:rPr lang="zh-CN" altLang="en-US" sz="3200" dirty="0">
+                <a:ln w="0"/>
+                <a:effectLst>
+                  <a:outerShdw blurRad="38100" dist="19050" dir="2700000" algn="tl" rotWithShape="0">
+                    <a:schemeClr val="dk1">
+                      <a:alpha val="40000"/>
+                    </a:schemeClr>
+                  </a:outerShdw>
+                </a:effectLst>
+              </a:rPr>
+              <a:t> </a:t>
+            </a:r>
+            <a:r>
+              <a:rPr lang="en-US" altLang="zh-CN" sz="3200" dirty="0">
+                <a:ln w="0"/>
+                <a:effectLst>
+                  <a:outerShdw blurRad="38100" dist="19050" dir="2700000" algn="tl" rotWithShape="0">
+                    <a:schemeClr val="dk1">
+                      <a:alpha val="40000"/>
+                    </a:schemeClr>
+                  </a:outerShdw>
+                </a:effectLst>
+              </a:rPr>
+              <a:t>and</a:t>
+            </a:r>
+            <a:r>
+              <a:rPr lang="zh-CN" altLang="en-US" sz="3200" dirty="0">
+                <a:ln w="0"/>
+                <a:effectLst>
+                  <a:outerShdw blurRad="38100" dist="19050" dir="2700000" algn="tl" rotWithShape="0">
+                    <a:schemeClr val="dk1">
+                      <a:alpha val="40000"/>
+                    </a:schemeClr>
+                  </a:outerShdw>
+                </a:effectLst>
+              </a:rPr>
+              <a:t> </a:t>
+            </a:r>
+            <a:r>
+              <a:rPr lang="en-US" altLang="zh-CN" sz="3200" dirty="0">
+                <a:ln w="0"/>
+                <a:effectLst>
+                  <a:outerShdw blurRad="38100" dist="19050" dir="2700000" algn="tl" rotWithShape="0">
+                    <a:schemeClr val="dk1">
+                      <a:alpha val="40000"/>
+                    </a:schemeClr>
+                  </a:outerShdw>
+                </a:effectLst>
+              </a:rPr>
+              <a:t>informative</a:t>
+            </a:r>
+            <a:endParaRPr lang="en-US" sz="3200" dirty="0"/>
+          </a:p>
+        </p:txBody>
+      </p:sp>
     </p:spTree>
     <p:extLst>
       <p:ext uri="{BB962C8B-B14F-4D97-AF65-F5344CB8AC3E}">
-        <p14:creationId xmlns:p14="http://schemas.microsoft.com/office/powerpoint/2010/main" val="516530243"/>
+        <p14:creationId xmlns:p14="http://schemas.microsoft.com/office/powerpoint/2010/main" val="281931244"/>
       </p:ext>
     </p:extLst>
   </p:cSld>
   <p:clrMapOvr>
     <a:masterClrMapping/>
   </p:clrMapOvr>
+  <p:timing>
+    <p:tnLst>
+      <p:par>
+        <p:cTn id="1" dur="indefinite" restart="never" nodeType="tmRoot"/>
+      </p:par>
+    </p:tnLst>
+  </p:timing>
 </p:sld>
 </file>
 

--- a/Final/Final Project Proposal.pptx
+++ b/Final/Final Project Proposal.pptx
@@ -372,7 +372,7 @@
             <a:fld id="{B61BEF0D-F0BB-DE4B-95CE-6DB70DBA9567}" type="datetimeFigureOut">
               <a:rPr lang="en-US" smtClean="0"/>
               <a:pPr/>
-              <a:t>2/3/17</a:t>
+              <a:t>3/22/17</a:t>
             </a:fld>
             <a:endParaRPr lang="en-US" dirty="0"/>
           </a:p>
@@ -582,7 +582,7 @@
             <a:fld id="{B61BEF0D-F0BB-DE4B-95CE-6DB70DBA9567}" type="datetimeFigureOut">
               <a:rPr lang="en-US" smtClean="0"/>
               <a:pPr/>
-              <a:t>2/3/17</a:t>
+              <a:t>3/22/17</a:t>
             </a:fld>
             <a:endParaRPr lang="en-US" dirty="0"/>
           </a:p>
@@ -835,7 +835,7 @@
             <a:fld id="{B61BEF0D-F0BB-DE4B-95CE-6DB70DBA9567}" type="datetimeFigureOut">
               <a:rPr lang="en-US" smtClean="0"/>
               <a:pPr/>
-              <a:t>2/3/17</a:t>
+              <a:t>3/22/17</a:t>
             </a:fld>
             <a:endParaRPr lang="en-US" dirty="0"/>
           </a:p>
@@ -1011,7 +1011,7 @@
             <a:fld id="{B61BEF0D-F0BB-DE4B-95CE-6DB70DBA9567}" type="datetimeFigureOut">
               <a:rPr lang="en-US" smtClean="0"/>
               <a:pPr/>
-              <a:t>2/3/17</a:t>
+              <a:t>3/22/17</a:t>
             </a:fld>
             <a:endParaRPr lang="en-US" dirty="0"/>
           </a:p>
@@ -1351,7 +1351,7 @@
             <a:fld id="{B61BEF0D-F0BB-DE4B-95CE-6DB70DBA9567}" type="datetimeFigureOut">
               <a:rPr lang="en-US" smtClean="0"/>
               <a:pPr/>
-              <a:t>2/3/17</a:t>
+              <a:t>3/22/17</a:t>
             </a:fld>
             <a:endParaRPr lang="en-US" dirty="0"/>
           </a:p>
@@ -1628,7 +1628,7 @@
             <a:fld id="{B61BEF0D-F0BB-DE4B-95CE-6DB70DBA9567}" type="datetimeFigureOut">
               <a:rPr lang="en-US" smtClean="0"/>
               <a:pPr/>
-              <a:t>2/3/17</a:t>
+              <a:t>3/22/17</a:t>
             </a:fld>
             <a:endParaRPr lang="en-US" dirty="0"/>
           </a:p>
@@ -2004,7 +2004,7 @@
             <a:fld id="{B61BEF0D-F0BB-DE4B-95CE-6DB70DBA9567}" type="datetimeFigureOut">
               <a:rPr lang="en-US" smtClean="0"/>
               <a:pPr/>
-              <a:t>2/3/17</a:t>
+              <a:t>3/22/17</a:t>
             </a:fld>
             <a:endParaRPr lang="en-US" dirty="0"/>
           </a:p>
@@ -2119,7 +2119,7 @@
             <a:fld id="{B61BEF0D-F0BB-DE4B-95CE-6DB70DBA9567}" type="datetimeFigureOut">
               <a:rPr lang="en-US" smtClean="0"/>
               <a:pPr/>
-              <a:t>2/3/17</a:t>
+              <a:t>3/22/17</a:t>
             </a:fld>
             <a:endParaRPr lang="en-US" dirty="0"/>
           </a:p>
@@ -2287,7 +2287,7 @@
             <a:fld id="{B61BEF0D-F0BB-DE4B-95CE-6DB70DBA9567}" type="datetimeFigureOut">
               <a:rPr lang="en-US" smtClean="0"/>
               <a:pPr/>
-              <a:t>2/3/17</a:t>
+              <a:t>3/22/17</a:t>
             </a:fld>
             <a:endParaRPr lang="en-US" dirty="0"/>
           </a:p>
@@ -2643,7 +2643,7 @@
             <a:fld id="{B61BEF0D-F0BB-DE4B-95CE-6DB70DBA9567}" type="datetimeFigureOut">
               <a:rPr lang="en-US" smtClean="0"/>
               <a:pPr/>
-              <a:t>2/3/17</a:t>
+              <a:t>3/22/17</a:t>
             </a:fld>
             <a:endParaRPr lang="en-US" dirty="0"/>
           </a:p>
@@ -3024,7 +3024,7 @@
             <a:fld id="{B61BEF0D-F0BB-DE4B-95CE-6DB70DBA9567}" type="datetimeFigureOut">
               <a:rPr lang="en-US" smtClean="0"/>
               <a:pPr/>
-              <a:t>2/3/17</a:t>
+              <a:t>3/22/17</a:t>
             </a:fld>
             <a:endParaRPr lang="en-US" dirty="0"/>
           </a:p>
@@ -3308,7 +3308,7 @@
             <a:fld id="{B61BEF0D-F0BB-DE4B-95CE-6DB70DBA9567}" type="datetimeFigureOut">
               <a:rPr lang="en-US" smtClean="0"/>
               <a:pPr/>
-              <a:t>2/3/17</a:t>
+              <a:t>3/22/17</a:t>
             </a:fld>
             <a:endParaRPr lang="en-US" dirty="0"/>
           </a:p>
@@ -5720,7 +5720,7 @@
               <a:buChar char="v"/>
             </a:pPr>
             <a:r>
-              <a:rPr lang="en-US" altLang="zh-CN" sz="3200" dirty="0">
+              <a:rPr lang="en-US" altLang="zh-CN" sz="3200" dirty="0" smtClean="0">
                 <a:ln w="0"/>
                 <a:solidFill>
                   <a:schemeClr val="tx1">
@@ -5736,8 +5736,24 @@
                   </a:outerShdw>
                 </a:effectLst>
               </a:rPr>
-              <a:t>Register/Login/Logout</a:t>
-            </a:r>
+              <a:t>Register/Login/Logout </a:t>
+            </a:r>
+            <a:endParaRPr lang="en-US" altLang="zh-CN" sz="3200" dirty="0">
+              <a:ln w="0"/>
+              <a:solidFill>
+                <a:schemeClr val="tx1">
+                  <a:lumMod val="75000"/>
+                  <a:lumOff val="25000"/>
+                </a:schemeClr>
+              </a:solidFill>
+              <a:effectLst>
+                <a:outerShdw blurRad="38100" dist="19050" dir="2700000" algn="tl" rotWithShape="0">
+                  <a:schemeClr val="dk1">
+                    <a:alpha val="40000"/>
+                  </a:schemeClr>
+                </a:outerShdw>
+              </a:effectLst>
+            </a:endParaRPr>
           </a:p>
           <a:p>
             <a:pPr marL="91440" lvl="1" indent="-91440" defTabSz="914400">
